--- a/Almuts_Kram/Dokumentation/erstellte_Abbildungen.pptx
+++ b/Almuts_Kram/Dokumentation/erstellte_Abbildungen.pptx
@@ -271,7 +271,7 @@
           <a:p>
             <a:fld id="{E6A5644B-59F2-4915-A4B7-5F3DB0AE8767}" type="datetimeFigureOut">
               <a:rPr lang="de-DE" smtClean="0"/>
-              <a:t>04.08.2022</a:t>
+              <a:t>22.08.2022</a:t>
             </a:fld>
             <a:endParaRPr lang="de-DE"/>
           </a:p>
@@ -471,7 +471,7 @@
           <a:p>
             <a:fld id="{E6A5644B-59F2-4915-A4B7-5F3DB0AE8767}" type="datetimeFigureOut">
               <a:rPr lang="de-DE" smtClean="0"/>
-              <a:t>04.08.2022</a:t>
+              <a:t>22.08.2022</a:t>
             </a:fld>
             <a:endParaRPr lang="de-DE"/>
           </a:p>
@@ -681,7 +681,7 @@
           <a:p>
             <a:fld id="{E6A5644B-59F2-4915-A4B7-5F3DB0AE8767}" type="datetimeFigureOut">
               <a:rPr lang="de-DE" smtClean="0"/>
-              <a:t>04.08.2022</a:t>
+              <a:t>22.08.2022</a:t>
             </a:fld>
             <a:endParaRPr lang="de-DE"/>
           </a:p>
@@ -881,7 +881,7 @@
           <a:p>
             <a:fld id="{E6A5644B-59F2-4915-A4B7-5F3DB0AE8767}" type="datetimeFigureOut">
               <a:rPr lang="de-DE" smtClean="0"/>
-              <a:t>04.08.2022</a:t>
+              <a:t>22.08.2022</a:t>
             </a:fld>
             <a:endParaRPr lang="de-DE"/>
           </a:p>
@@ -1157,7 +1157,7 @@
           <a:p>
             <a:fld id="{E6A5644B-59F2-4915-A4B7-5F3DB0AE8767}" type="datetimeFigureOut">
               <a:rPr lang="de-DE" smtClean="0"/>
-              <a:t>04.08.2022</a:t>
+              <a:t>22.08.2022</a:t>
             </a:fld>
             <a:endParaRPr lang="de-DE"/>
           </a:p>
@@ -1425,7 +1425,7 @@
           <a:p>
             <a:fld id="{E6A5644B-59F2-4915-A4B7-5F3DB0AE8767}" type="datetimeFigureOut">
               <a:rPr lang="de-DE" smtClean="0"/>
-              <a:t>04.08.2022</a:t>
+              <a:t>22.08.2022</a:t>
             </a:fld>
             <a:endParaRPr lang="de-DE"/>
           </a:p>
@@ -1840,7 +1840,7 @@
           <a:p>
             <a:fld id="{E6A5644B-59F2-4915-A4B7-5F3DB0AE8767}" type="datetimeFigureOut">
               <a:rPr lang="de-DE" smtClean="0"/>
-              <a:t>04.08.2022</a:t>
+              <a:t>22.08.2022</a:t>
             </a:fld>
             <a:endParaRPr lang="de-DE"/>
           </a:p>
@@ -1982,7 +1982,7 @@
           <a:p>
             <a:fld id="{E6A5644B-59F2-4915-A4B7-5F3DB0AE8767}" type="datetimeFigureOut">
               <a:rPr lang="de-DE" smtClean="0"/>
-              <a:t>04.08.2022</a:t>
+              <a:t>22.08.2022</a:t>
             </a:fld>
             <a:endParaRPr lang="de-DE"/>
           </a:p>
@@ -2095,7 +2095,7 @@
           <a:p>
             <a:fld id="{E6A5644B-59F2-4915-A4B7-5F3DB0AE8767}" type="datetimeFigureOut">
               <a:rPr lang="de-DE" smtClean="0"/>
-              <a:t>04.08.2022</a:t>
+              <a:t>22.08.2022</a:t>
             </a:fld>
             <a:endParaRPr lang="de-DE"/>
           </a:p>
@@ -2408,7 +2408,7 @@
           <a:p>
             <a:fld id="{E6A5644B-59F2-4915-A4B7-5F3DB0AE8767}" type="datetimeFigureOut">
               <a:rPr lang="de-DE" smtClean="0"/>
-              <a:t>04.08.2022</a:t>
+              <a:t>22.08.2022</a:t>
             </a:fld>
             <a:endParaRPr lang="de-DE"/>
           </a:p>
@@ -2697,7 +2697,7 @@
           <a:p>
             <a:fld id="{E6A5644B-59F2-4915-A4B7-5F3DB0AE8767}" type="datetimeFigureOut">
               <a:rPr lang="de-DE" smtClean="0"/>
-              <a:t>04.08.2022</a:t>
+              <a:t>22.08.2022</a:t>
             </a:fld>
             <a:endParaRPr lang="de-DE"/>
           </a:p>
@@ -2940,7 +2940,7 @@
           <a:p>
             <a:fld id="{E6A5644B-59F2-4915-A4B7-5F3DB0AE8767}" type="datetimeFigureOut">
               <a:rPr lang="de-DE" smtClean="0"/>
-              <a:t>04.08.2022</a:t>
+              <a:t>22.08.2022</a:t>
             </a:fld>
             <a:endParaRPr lang="de-DE"/>
           </a:p>
@@ -3357,1086 +3357,1107 @@
           <a:chExt cx="0" cy="0"/>
         </a:xfrm>
       </p:grpSpPr>
-      <p:pic>
-        <p:nvPicPr>
-          <p:cNvPr id="5" name="Graphic 4" descr="Camera">
-            <a:extLst>
-              <a:ext uri="{FF2B5EF4-FFF2-40B4-BE49-F238E27FC236}">
-                <a16:creationId xmlns:a16="http://schemas.microsoft.com/office/drawing/2014/main" id="{811742FF-F2E3-474A-86D2-87FBF57893FC}"/>
-              </a:ext>
-            </a:extLst>
-          </p:cNvPr>
-          <p:cNvPicPr>
-            <a:picLocks noChangeAspect="1"/>
-          </p:cNvPicPr>
+      <p:grpSp>
+        <p:nvGrpSpPr>
+          <p:cNvPr id="2" name="Group 1">
+            <a:extLst>
+              <a:ext uri="{FF2B5EF4-FFF2-40B4-BE49-F238E27FC236}">
+                <a16:creationId xmlns:a16="http://schemas.microsoft.com/office/drawing/2014/main" id="{9E853411-68A0-41AA-AD18-FE2F3FEE8C47}"/>
+              </a:ext>
+            </a:extLst>
+          </p:cNvPr>
+          <p:cNvGrpSpPr/>
           <p:nvPr/>
-        </p:nvPicPr>
-        <p:blipFill>
-          <a:blip r:embed="rId2">
-            <a:extLst>
-              <a:ext uri="{28A0092B-C50C-407E-A947-70E740481C1C}">
-                <a14:useLocalDpi xmlns:a14="http://schemas.microsoft.com/office/drawing/2010/main" val="0"/>
-              </a:ext>
-              <a:ext uri="{96DAC541-7B7A-43D3-8B79-37D633B846F1}">
-                <asvg:svgBlip xmlns:asvg="http://schemas.microsoft.com/office/drawing/2016/SVG/main" r:embed="rId3"/>
-              </a:ext>
-            </a:extLst>
-          </a:blip>
-          <a:stretch>
-            <a:fillRect/>
-          </a:stretch>
-        </p:blipFill>
-        <p:spPr>
+        </p:nvGrpSpPr>
+        <p:grpSpPr>
           <a:xfrm>
-            <a:off x="1443872" y="1708608"/>
-            <a:ext cx="914400" cy="914400"/>
+            <a:off x="1443872" y="565862"/>
+            <a:ext cx="9664867" cy="5181208"/>
+            <a:chOff x="1443872" y="565862"/>
+            <a:chExt cx="9664867" cy="5181208"/>
           </a:xfrm>
-          <a:prstGeom prst="rect">
-            <a:avLst/>
-          </a:prstGeom>
-        </p:spPr>
-      </p:pic>
-      <p:pic>
-        <p:nvPicPr>
-          <p:cNvPr id="6" name="Graphic 5" descr="Camera">
-            <a:extLst>
-              <a:ext uri="{FF2B5EF4-FFF2-40B4-BE49-F238E27FC236}">
-                <a16:creationId xmlns:a16="http://schemas.microsoft.com/office/drawing/2014/main" id="{D801AA99-48C9-4509-A855-6FE9142C9B36}"/>
-              </a:ext>
-            </a:extLst>
-          </p:cNvPr>
-          <p:cNvPicPr>
-            <a:picLocks noChangeAspect="1"/>
-          </p:cNvPicPr>
-          <p:nvPr/>
-        </p:nvPicPr>
-        <p:blipFill>
-          <a:blip r:embed="rId2">
-            <a:extLst>
-              <a:ext uri="{28A0092B-C50C-407E-A947-70E740481C1C}">
-                <a14:useLocalDpi xmlns:a14="http://schemas.microsoft.com/office/drawing/2010/main" val="0"/>
-              </a:ext>
-              <a:ext uri="{96DAC541-7B7A-43D3-8B79-37D633B846F1}">
-                <asvg:svgBlip xmlns:asvg="http://schemas.microsoft.com/office/drawing/2016/SVG/main" r:embed="rId3"/>
-              </a:ext>
-            </a:extLst>
-          </a:blip>
-          <a:stretch>
-            <a:fillRect/>
-          </a:stretch>
-        </p:blipFill>
-        <p:spPr>
-          <a:xfrm>
-            <a:off x="1443872" y="2971800"/>
-            <a:ext cx="914400" cy="914400"/>
-          </a:xfrm>
-          <a:prstGeom prst="rect">
-            <a:avLst/>
-          </a:prstGeom>
-        </p:spPr>
-      </p:pic>
-      <p:pic>
-        <p:nvPicPr>
-          <p:cNvPr id="7" name="Graphic 6" descr="Camera">
-            <a:extLst>
-              <a:ext uri="{FF2B5EF4-FFF2-40B4-BE49-F238E27FC236}">
-                <a16:creationId xmlns:a16="http://schemas.microsoft.com/office/drawing/2014/main" id="{B2C58AE5-A090-4E18-AB2F-898B82758A78}"/>
-              </a:ext>
-            </a:extLst>
-          </p:cNvPr>
-          <p:cNvPicPr>
-            <a:picLocks noChangeAspect="1"/>
-          </p:cNvPicPr>
-          <p:nvPr/>
-        </p:nvPicPr>
-        <p:blipFill>
-          <a:blip r:embed="rId2">
-            <a:extLst>
-              <a:ext uri="{28A0092B-C50C-407E-A947-70E740481C1C}">
-                <a14:useLocalDpi xmlns:a14="http://schemas.microsoft.com/office/drawing/2010/main" val="0"/>
-              </a:ext>
-              <a:ext uri="{96DAC541-7B7A-43D3-8B79-37D633B846F1}">
-                <asvg:svgBlip xmlns:asvg="http://schemas.microsoft.com/office/drawing/2016/SVG/main" r:embed="rId3"/>
-              </a:ext>
-            </a:extLst>
-          </a:blip>
-          <a:stretch>
-            <a:fillRect/>
-          </a:stretch>
-        </p:blipFill>
-        <p:spPr>
-          <a:xfrm>
-            <a:off x="1443872" y="4349684"/>
-            <a:ext cx="914400" cy="914400"/>
-          </a:xfrm>
-          <a:prstGeom prst="rect">
-            <a:avLst/>
-          </a:prstGeom>
-        </p:spPr>
-      </p:pic>
-      <p:pic>
-        <p:nvPicPr>
-          <p:cNvPr id="9" name="Graphic 8" descr="Paper">
-            <a:extLst>
-              <a:ext uri="{FF2B5EF4-FFF2-40B4-BE49-F238E27FC236}">
-                <a16:creationId xmlns:a16="http://schemas.microsoft.com/office/drawing/2014/main" id="{391ACE32-581B-4A57-AD06-AEAF6E4E0C67}"/>
-              </a:ext>
-            </a:extLst>
-          </p:cNvPr>
-          <p:cNvPicPr>
-            <a:picLocks noChangeAspect="1"/>
-          </p:cNvPicPr>
-          <p:nvPr/>
-        </p:nvPicPr>
-        <p:blipFill>
-          <a:blip r:embed="rId4">
-            <a:extLst>
-              <a:ext uri="{28A0092B-C50C-407E-A947-70E740481C1C}">
-                <a14:useLocalDpi xmlns:a14="http://schemas.microsoft.com/office/drawing/2010/main" val="0"/>
-              </a:ext>
-              <a:ext uri="{96DAC541-7B7A-43D3-8B79-37D633B846F1}">
-                <asvg:svgBlip xmlns:asvg="http://schemas.microsoft.com/office/drawing/2016/SVG/main" r:embed="rId5"/>
-              </a:ext>
-            </a:extLst>
-          </a:blip>
-          <a:stretch>
-            <a:fillRect/>
-          </a:stretch>
-        </p:blipFill>
-        <p:spPr>
-          <a:xfrm>
-            <a:off x="2603369" y="565862"/>
-            <a:ext cx="5181208" cy="5181208"/>
-          </a:xfrm>
-          <a:prstGeom prst="rect">
-            <a:avLst/>
-          </a:prstGeom>
-        </p:spPr>
-      </p:pic>
-      <p:sp>
-        <p:nvSpPr>
-          <p:cNvPr id="10" name="TextBox 9">
-            <a:extLst>
-              <a:ext uri="{FF2B5EF4-FFF2-40B4-BE49-F238E27FC236}">
-                <a16:creationId xmlns:a16="http://schemas.microsoft.com/office/drawing/2014/main" id="{FA257FD3-43C5-46B5-8F0F-70C5C0267BB6}"/>
-              </a:ext>
-            </a:extLst>
-          </p:cNvPr>
-          <p:cNvSpPr txBox="1"/>
-          <p:nvPr/>
-        </p:nvSpPr>
-        <p:spPr>
-          <a:xfrm>
-            <a:off x="3940405" y="1516336"/>
-            <a:ext cx="1338606" cy="646331"/>
-          </a:xfrm>
-          <a:prstGeom prst="rect">
-            <a:avLst/>
-          </a:prstGeom>
-          <a:noFill/>
-          <a:ln>
-            <a:solidFill>
+        </p:grpSpPr>
+        <p:pic>
+          <p:nvPicPr>
+            <p:cNvPr id="5" name="Graphic 4" descr="Camera">
+              <a:extLst>
+                <a:ext uri="{FF2B5EF4-FFF2-40B4-BE49-F238E27FC236}">
+                  <a16:creationId xmlns:a16="http://schemas.microsoft.com/office/drawing/2014/main" id="{811742FF-F2E3-474A-86D2-87FBF57893FC}"/>
+                </a:ext>
+              </a:extLst>
+            </p:cNvPr>
+            <p:cNvPicPr>
+              <a:picLocks noChangeAspect="1"/>
+            </p:cNvPicPr>
+            <p:nvPr/>
+          </p:nvPicPr>
+          <p:blipFill>
+            <a:blip r:embed="rId2">
+              <a:extLst>
+                <a:ext uri="{28A0092B-C50C-407E-A947-70E740481C1C}">
+                  <a14:useLocalDpi xmlns:a14="http://schemas.microsoft.com/office/drawing/2010/main" val="0"/>
+                </a:ext>
+                <a:ext uri="{96DAC541-7B7A-43D3-8B79-37D633B846F1}">
+                  <asvg:svgBlip xmlns:asvg="http://schemas.microsoft.com/office/drawing/2016/SVG/main" r:embed="rId3"/>
+                </a:ext>
+              </a:extLst>
+            </a:blip>
+            <a:stretch>
+              <a:fillRect/>
+            </a:stretch>
+          </p:blipFill>
+          <p:spPr>
+            <a:xfrm>
+              <a:off x="1443872" y="1708608"/>
+              <a:ext cx="914400" cy="914400"/>
+            </a:xfrm>
+            <a:prstGeom prst="rect">
+              <a:avLst/>
+            </a:prstGeom>
+          </p:spPr>
+        </p:pic>
+        <p:pic>
+          <p:nvPicPr>
+            <p:cNvPr id="6" name="Graphic 5" descr="Camera">
+              <a:extLst>
+                <a:ext uri="{FF2B5EF4-FFF2-40B4-BE49-F238E27FC236}">
+                  <a16:creationId xmlns:a16="http://schemas.microsoft.com/office/drawing/2014/main" id="{D801AA99-48C9-4509-A855-6FE9142C9B36}"/>
+                </a:ext>
+              </a:extLst>
+            </p:cNvPr>
+            <p:cNvPicPr>
+              <a:picLocks noChangeAspect="1"/>
+            </p:cNvPicPr>
+            <p:nvPr/>
+          </p:nvPicPr>
+          <p:blipFill>
+            <a:blip r:embed="rId2">
+              <a:extLst>
+                <a:ext uri="{28A0092B-C50C-407E-A947-70E740481C1C}">
+                  <a14:useLocalDpi xmlns:a14="http://schemas.microsoft.com/office/drawing/2010/main" val="0"/>
+                </a:ext>
+                <a:ext uri="{96DAC541-7B7A-43D3-8B79-37D633B846F1}">
+                  <asvg:svgBlip xmlns:asvg="http://schemas.microsoft.com/office/drawing/2016/SVG/main" r:embed="rId3"/>
+                </a:ext>
+              </a:extLst>
+            </a:blip>
+            <a:stretch>
+              <a:fillRect/>
+            </a:stretch>
+          </p:blipFill>
+          <p:spPr>
+            <a:xfrm>
+              <a:off x="1443872" y="2971800"/>
+              <a:ext cx="914400" cy="914400"/>
+            </a:xfrm>
+            <a:prstGeom prst="rect">
+              <a:avLst/>
+            </a:prstGeom>
+          </p:spPr>
+        </p:pic>
+        <p:pic>
+          <p:nvPicPr>
+            <p:cNvPr id="7" name="Graphic 6" descr="Camera">
+              <a:extLst>
+                <a:ext uri="{FF2B5EF4-FFF2-40B4-BE49-F238E27FC236}">
+                  <a16:creationId xmlns:a16="http://schemas.microsoft.com/office/drawing/2014/main" id="{B2C58AE5-A090-4E18-AB2F-898B82758A78}"/>
+                </a:ext>
+              </a:extLst>
+            </p:cNvPr>
+            <p:cNvPicPr>
+              <a:picLocks noChangeAspect="1"/>
+            </p:cNvPicPr>
+            <p:nvPr/>
+          </p:nvPicPr>
+          <p:blipFill>
+            <a:blip r:embed="rId2">
+              <a:extLst>
+                <a:ext uri="{28A0092B-C50C-407E-A947-70E740481C1C}">
+                  <a14:useLocalDpi xmlns:a14="http://schemas.microsoft.com/office/drawing/2010/main" val="0"/>
+                </a:ext>
+                <a:ext uri="{96DAC541-7B7A-43D3-8B79-37D633B846F1}">
+                  <asvg:svgBlip xmlns:asvg="http://schemas.microsoft.com/office/drawing/2016/SVG/main" r:embed="rId3"/>
+                </a:ext>
+              </a:extLst>
+            </a:blip>
+            <a:stretch>
+              <a:fillRect/>
+            </a:stretch>
+          </p:blipFill>
+          <p:spPr>
+            <a:xfrm>
+              <a:off x="1443872" y="4349684"/>
+              <a:ext cx="914400" cy="914400"/>
+            </a:xfrm>
+            <a:prstGeom prst="rect">
+              <a:avLst/>
+            </a:prstGeom>
+          </p:spPr>
+        </p:pic>
+        <p:pic>
+          <p:nvPicPr>
+            <p:cNvPr id="9" name="Graphic 8" descr="Paper">
+              <a:extLst>
+                <a:ext uri="{FF2B5EF4-FFF2-40B4-BE49-F238E27FC236}">
+                  <a16:creationId xmlns:a16="http://schemas.microsoft.com/office/drawing/2014/main" id="{391ACE32-581B-4A57-AD06-AEAF6E4E0C67}"/>
+                </a:ext>
+              </a:extLst>
+            </p:cNvPr>
+            <p:cNvPicPr>
+              <a:picLocks noChangeAspect="1"/>
+            </p:cNvPicPr>
+            <p:nvPr/>
+          </p:nvPicPr>
+          <p:blipFill>
+            <a:blip r:embed="rId4">
+              <a:extLst>
+                <a:ext uri="{28A0092B-C50C-407E-A947-70E740481C1C}">
+                  <a14:useLocalDpi xmlns:a14="http://schemas.microsoft.com/office/drawing/2010/main" val="0"/>
+                </a:ext>
+                <a:ext uri="{96DAC541-7B7A-43D3-8B79-37D633B846F1}">
+                  <asvg:svgBlip xmlns:asvg="http://schemas.microsoft.com/office/drawing/2016/SVG/main" r:embed="rId5"/>
+                </a:ext>
+              </a:extLst>
+            </a:blip>
+            <a:stretch>
+              <a:fillRect/>
+            </a:stretch>
+          </p:blipFill>
+          <p:spPr>
+            <a:xfrm>
+              <a:off x="2603369" y="565862"/>
+              <a:ext cx="5181208" cy="5181208"/>
+            </a:xfrm>
+            <a:prstGeom prst="rect">
+              <a:avLst/>
+            </a:prstGeom>
+          </p:spPr>
+        </p:pic>
+        <p:sp>
+          <p:nvSpPr>
+            <p:cNvPr id="10" name="TextBox 9">
+              <a:extLst>
+                <a:ext uri="{FF2B5EF4-FFF2-40B4-BE49-F238E27FC236}">
+                  <a16:creationId xmlns:a16="http://schemas.microsoft.com/office/drawing/2014/main" id="{FA257FD3-43C5-46B5-8F0F-70C5C0267BB6}"/>
+                </a:ext>
+              </a:extLst>
+            </p:cNvPr>
+            <p:cNvSpPr txBox="1"/>
+            <p:nvPr/>
+          </p:nvSpPr>
+          <p:spPr>
+            <a:xfrm>
+              <a:off x="3940405" y="1516336"/>
+              <a:ext cx="1338606" cy="646331"/>
+            </a:xfrm>
+            <a:prstGeom prst="rect">
+              <a:avLst/>
+            </a:prstGeom>
+            <a:noFill/>
+            <a:ln>
+              <a:solidFill>
+                <a:schemeClr val="tx1"/>
+              </a:solidFill>
+            </a:ln>
+          </p:spPr>
+          <p:txBody>
+            <a:bodyPr wrap="square" rtlCol="0">
+              <a:spAutoFit/>
+            </a:bodyPr>
+            <a:lstStyle/>
+            <a:p>
+              <a:r>
+                <a:rPr lang="de-DE" dirty="0"/>
+                <a:t>Kamera Schnittstelle</a:t>
+              </a:r>
+            </a:p>
+          </p:txBody>
+        </p:sp>
+        <p:sp>
+          <p:nvSpPr>
+            <p:cNvPr id="11" name="TextBox 10">
+              <a:extLst>
+                <a:ext uri="{FF2B5EF4-FFF2-40B4-BE49-F238E27FC236}">
+                  <a16:creationId xmlns:a16="http://schemas.microsoft.com/office/drawing/2014/main" id="{5CEC206F-30B3-46EF-B127-E0CF9A3F7AFB}"/>
+                </a:ext>
+              </a:extLst>
+            </p:cNvPr>
+            <p:cNvSpPr txBox="1"/>
+            <p:nvPr/>
+          </p:nvSpPr>
+          <p:spPr>
+            <a:xfrm>
+              <a:off x="3940405" y="3312700"/>
+              <a:ext cx="2309764" cy="369332"/>
+            </a:xfrm>
+            <a:prstGeom prst="rect">
+              <a:avLst/>
+            </a:prstGeom>
+            <a:noFill/>
+            <a:ln>
+              <a:solidFill>
+                <a:schemeClr val="tx1"/>
+              </a:solidFill>
+            </a:ln>
+          </p:spPr>
+          <p:txBody>
+            <a:bodyPr wrap="square" rtlCol="0">
+              <a:spAutoFit/>
+            </a:bodyPr>
+            <a:lstStyle/>
+            <a:p>
+              <a:r>
+                <a:rPr lang="de-DE" dirty="0"/>
+                <a:t>Fit Analyse</a:t>
+              </a:r>
+            </a:p>
+          </p:txBody>
+        </p:sp>
+        <p:sp>
+          <p:nvSpPr>
+            <p:cNvPr id="12" name="TextBox 11">
+              <a:extLst>
+                <a:ext uri="{FF2B5EF4-FFF2-40B4-BE49-F238E27FC236}">
+                  <a16:creationId xmlns:a16="http://schemas.microsoft.com/office/drawing/2014/main" id="{079958C3-AAA7-4535-8E1A-0E1FE7648BA6}"/>
+                </a:ext>
+              </a:extLst>
+            </p:cNvPr>
+            <p:cNvSpPr txBox="1"/>
+            <p:nvPr/>
+          </p:nvSpPr>
+          <p:spPr>
+            <a:xfrm>
+              <a:off x="3940405" y="4437552"/>
+              <a:ext cx="2309764" cy="369332"/>
+            </a:xfrm>
+            <a:prstGeom prst="rect">
+              <a:avLst/>
+            </a:prstGeom>
+            <a:noFill/>
+            <a:ln>
+              <a:solidFill>
+                <a:schemeClr val="tx1"/>
+              </a:solidFill>
+            </a:ln>
+          </p:spPr>
+          <p:txBody>
+            <a:bodyPr wrap="square" rtlCol="0">
+              <a:spAutoFit/>
+            </a:bodyPr>
+            <a:lstStyle/>
+            <a:p>
+              <a:r>
+                <a:rPr lang="de-DE" dirty="0"/>
+                <a:t>EPICS Schnittstelle </a:t>
+              </a:r>
+            </a:p>
+          </p:txBody>
+        </p:sp>
+        <p:pic>
+          <p:nvPicPr>
+            <p:cNvPr id="16" name="Graphic 15" descr="Server">
+              <a:extLst>
+                <a:ext uri="{FF2B5EF4-FFF2-40B4-BE49-F238E27FC236}">
+                  <a16:creationId xmlns:a16="http://schemas.microsoft.com/office/drawing/2014/main" id="{32F17997-4919-4351-BEB3-BC5D79CC7F22}"/>
+                </a:ext>
+              </a:extLst>
+            </p:cNvPr>
+            <p:cNvPicPr>
+              <a:picLocks noChangeAspect="1"/>
+            </p:cNvPicPr>
+            <p:nvPr/>
+          </p:nvPicPr>
+          <p:blipFill>
+            <a:blip r:embed="rId6">
+              <a:extLst>
+                <a:ext uri="{28A0092B-C50C-407E-A947-70E740481C1C}">
+                  <a14:useLocalDpi xmlns:a14="http://schemas.microsoft.com/office/drawing/2010/main" val="0"/>
+                </a:ext>
+                <a:ext uri="{96DAC541-7B7A-43D3-8B79-37D633B846F1}">
+                  <asvg:svgBlip xmlns:asvg="http://schemas.microsoft.com/office/drawing/2016/SVG/main" r:embed="rId7"/>
+                </a:ext>
+              </a:extLst>
+            </a:blip>
+            <a:stretch>
+              <a:fillRect/>
+            </a:stretch>
+          </p:blipFill>
+          <p:spPr>
+            <a:xfrm>
+              <a:off x="7996679" y="4015858"/>
+              <a:ext cx="1212720" cy="1212720"/>
+            </a:xfrm>
+            <a:prstGeom prst="rect">
+              <a:avLst/>
+            </a:prstGeom>
+          </p:spPr>
+        </p:pic>
+        <p:pic>
+          <p:nvPicPr>
+            <p:cNvPr id="18" name="Graphic 17" descr="User">
+              <a:extLst>
+                <a:ext uri="{FF2B5EF4-FFF2-40B4-BE49-F238E27FC236}">
+                  <a16:creationId xmlns:a16="http://schemas.microsoft.com/office/drawing/2014/main" id="{89B1FEA1-1AD1-4C95-924E-124ED3F43540}"/>
+                </a:ext>
+              </a:extLst>
+            </p:cNvPr>
+            <p:cNvPicPr>
+              <a:picLocks noChangeAspect="1"/>
+            </p:cNvPicPr>
+            <p:nvPr/>
+          </p:nvPicPr>
+          <p:blipFill>
+            <a:blip r:embed="rId8">
+              <a:extLst>
+                <a:ext uri="{28A0092B-C50C-407E-A947-70E740481C1C}">
+                  <a14:useLocalDpi xmlns:a14="http://schemas.microsoft.com/office/drawing/2010/main" val="0"/>
+                </a:ext>
+                <a:ext uri="{96DAC541-7B7A-43D3-8B79-37D633B846F1}">
+                  <asvg:svgBlip xmlns:asvg="http://schemas.microsoft.com/office/drawing/2016/SVG/main" r:embed="rId9"/>
+                </a:ext>
+              </a:extLst>
+            </a:blip>
+            <a:stretch>
+              <a:fillRect/>
+            </a:stretch>
+          </p:blipFill>
+          <p:spPr>
+            <a:xfrm>
+              <a:off x="10194339" y="2430841"/>
+              <a:ext cx="914400" cy="914400"/>
+            </a:xfrm>
+            <a:prstGeom prst="rect">
+              <a:avLst/>
+            </a:prstGeom>
+          </p:spPr>
+        </p:pic>
+        <p:pic>
+          <p:nvPicPr>
+            <p:cNvPr id="19" name="Graphic 18" descr="User">
+              <a:extLst>
+                <a:ext uri="{FF2B5EF4-FFF2-40B4-BE49-F238E27FC236}">
+                  <a16:creationId xmlns:a16="http://schemas.microsoft.com/office/drawing/2014/main" id="{BFE2C6EC-32F6-40E2-9EF3-1AF907FD955B}"/>
+                </a:ext>
+              </a:extLst>
+            </p:cNvPr>
+            <p:cNvPicPr>
+              <a:picLocks noChangeAspect="1"/>
+            </p:cNvPicPr>
+            <p:nvPr/>
+          </p:nvPicPr>
+          <p:blipFill>
+            <a:blip r:embed="rId8">
+              <a:extLst>
+                <a:ext uri="{28A0092B-C50C-407E-A947-70E740481C1C}">
+                  <a14:useLocalDpi xmlns:a14="http://schemas.microsoft.com/office/drawing/2010/main" val="0"/>
+                </a:ext>
+                <a:ext uri="{96DAC541-7B7A-43D3-8B79-37D633B846F1}">
+                  <asvg:svgBlip xmlns:asvg="http://schemas.microsoft.com/office/drawing/2016/SVG/main" r:embed="rId9"/>
+                </a:ext>
+              </a:extLst>
+            </a:blip>
+            <a:stretch>
+              <a:fillRect/>
+            </a:stretch>
+          </p:blipFill>
+          <p:spPr>
+            <a:xfrm>
+              <a:off x="10121036" y="4657778"/>
+              <a:ext cx="914400" cy="914400"/>
+            </a:xfrm>
+            <a:prstGeom prst="rect">
+              <a:avLst/>
+            </a:prstGeom>
+          </p:spPr>
+        </p:pic>
+        <p:cxnSp>
+          <p:nvCxnSpPr>
+            <p:cNvPr id="21" name="Straight Arrow Connector 20">
+              <a:extLst>
+                <a:ext uri="{FF2B5EF4-FFF2-40B4-BE49-F238E27FC236}">
+                  <a16:creationId xmlns:a16="http://schemas.microsoft.com/office/drawing/2014/main" id="{4FC70EB3-7FE6-4935-969A-3AB3541C171B}"/>
+                </a:ext>
+              </a:extLst>
+            </p:cNvPr>
+            <p:cNvCxnSpPr>
+              <a:stCxn id="10" idx="1"/>
+              <a:endCxn id="5" idx="3"/>
+            </p:cNvCxnSpPr>
+            <p:nvPr/>
+          </p:nvCxnSpPr>
+          <p:spPr>
+            <a:xfrm flipH="1">
+              <a:off x="2358272" y="1839502"/>
+              <a:ext cx="1582133" cy="326306"/>
+            </a:xfrm>
+            <a:prstGeom prst="straightConnector1">
+              <a:avLst/>
+            </a:prstGeom>
+            <a:ln w="19050">
+              <a:headEnd type="oval" w="med" len="med"/>
+              <a:tailEnd type="triangle" w="med" len="med"/>
+            </a:ln>
+          </p:spPr>
+          <p:style>
+            <a:lnRef idx="1">
+              <a:schemeClr val="dk1"/>
+            </a:lnRef>
+            <a:fillRef idx="0">
+              <a:schemeClr val="dk1"/>
+            </a:fillRef>
+            <a:effectRef idx="0">
+              <a:schemeClr val="dk1"/>
+            </a:effectRef>
+            <a:fontRef idx="minor">
               <a:schemeClr val="tx1"/>
-            </a:solidFill>
-          </a:ln>
-        </p:spPr>
-        <p:txBody>
-          <a:bodyPr wrap="square" rtlCol="0">
-            <a:spAutoFit/>
-          </a:bodyPr>
-          <a:lstStyle/>
-          <a:p>
-            <a:r>
-              <a:rPr lang="de-DE" dirty="0"/>
-              <a:t>Kamera Schnittstelle</a:t>
-            </a:r>
-          </a:p>
-        </p:txBody>
-      </p:sp>
-      <p:sp>
-        <p:nvSpPr>
-          <p:cNvPr id="11" name="TextBox 10">
-            <a:extLst>
-              <a:ext uri="{FF2B5EF4-FFF2-40B4-BE49-F238E27FC236}">
-                <a16:creationId xmlns:a16="http://schemas.microsoft.com/office/drawing/2014/main" id="{5CEC206F-30B3-46EF-B127-E0CF9A3F7AFB}"/>
-              </a:ext>
-            </a:extLst>
-          </p:cNvPr>
-          <p:cNvSpPr txBox="1"/>
-          <p:nvPr/>
-        </p:nvSpPr>
-        <p:spPr>
-          <a:xfrm>
-            <a:off x="3940405" y="3312700"/>
-            <a:ext cx="2309764" cy="369332"/>
-          </a:xfrm>
-          <a:prstGeom prst="rect">
-            <a:avLst/>
-          </a:prstGeom>
-          <a:noFill/>
-          <a:ln>
-            <a:solidFill>
+            </a:fontRef>
+          </p:style>
+        </p:cxnSp>
+        <p:cxnSp>
+          <p:nvCxnSpPr>
+            <p:cNvPr id="22" name="Straight Arrow Connector 21">
+              <a:extLst>
+                <a:ext uri="{FF2B5EF4-FFF2-40B4-BE49-F238E27FC236}">
+                  <a16:creationId xmlns:a16="http://schemas.microsoft.com/office/drawing/2014/main" id="{EAA84337-B2D7-43F3-B2A7-1A533AF1D0FF}"/>
+                </a:ext>
+              </a:extLst>
+            </p:cNvPr>
+            <p:cNvCxnSpPr>
+              <a:cxnSpLocks/>
+              <a:stCxn id="10" idx="1"/>
+              <a:endCxn id="6" idx="3"/>
+            </p:cNvCxnSpPr>
+            <p:nvPr/>
+          </p:nvCxnSpPr>
+          <p:spPr>
+            <a:xfrm flipH="1">
+              <a:off x="2358272" y="1839502"/>
+              <a:ext cx="1582133" cy="1589498"/>
+            </a:xfrm>
+            <a:prstGeom prst="straightConnector1">
+              <a:avLst/>
+            </a:prstGeom>
+            <a:ln w="19050">
+              <a:tailEnd type="triangle"/>
+            </a:ln>
+          </p:spPr>
+          <p:style>
+            <a:lnRef idx="1">
+              <a:schemeClr val="dk1"/>
+            </a:lnRef>
+            <a:fillRef idx="0">
+              <a:schemeClr val="dk1"/>
+            </a:fillRef>
+            <a:effectRef idx="0">
+              <a:schemeClr val="dk1"/>
+            </a:effectRef>
+            <a:fontRef idx="minor">
               <a:schemeClr val="tx1"/>
-            </a:solidFill>
-          </a:ln>
-        </p:spPr>
-        <p:txBody>
-          <a:bodyPr wrap="square" rtlCol="0">
-            <a:spAutoFit/>
-          </a:bodyPr>
-          <a:lstStyle/>
-          <a:p>
-            <a:r>
-              <a:rPr lang="de-DE" dirty="0"/>
-              <a:t>Fit Analyse</a:t>
-            </a:r>
-          </a:p>
-        </p:txBody>
-      </p:sp>
-      <p:sp>
-        <p:nvSpPr>
-          <p:cNvPr id="12" name="TextBox 11">
-            <a:extLst>
-              <a:ext uri="{FF2B5EF4-FFF2-40B4-BE49-F238E27FC236}">
-                <a16:creationId xmlns:a16="http://schemas.microsoft.com/office/drawing/2014/main" id="{079958C3-AAA7-4535-8E1A-0E1FE7648BA6}"/>
-              </a:ext>
-            </a:extLst>
-          </p:cNvPr>
-          <p:cNvSpPr txBox="1"/>
-          <p:nvPr/>
-        </p:nvSpPr>
-        <p:spPr>
-          <a:xfrm>
-            <a:off x="3940405" y="4437552"/>
-            <a:ext cx="2309764" cy="369332"/>
-          </a:xfrm>
-          <a:prstGeom prst="rect">
-            <a:avLst/>
-          </a:prstGeom>
-          <a:noFill/>
-          <a:ln>
-            <a:solidFill>
+            </a:fontRef>
+          </p:style>
+        </p:cxnSp>
+        <p:cxnSp>
+          <p:nvCxnSpPr>
+            <p:cNvPr id="25" name="Straight Arrow Connector 24">
+              <a:extLst>
+                <a:ext uri="{FF2B5EF4-FFF2-40B4-BE49-F238E27FC236}">
+                  <a16:creationId xmlns:a16="http://schemas.microsoft.com/office/drawing/2014/main" id="{00E6B212-048B-4F64-9165-90C306CCECF4}"/>
+                </a:ext>
+              </a:extLst>
+            </p:cNvPr>
+            <p:cNvCxnSpPr>
+              <a:cxnSpLocks/>
+              <a:stCxn id="10" idx="1"/>
+              <a:endCxn id="7" idx="3"/>
+            </p:cNvCxnSpPr>
+            <p:nvPr/>
+          </p:nvCxnSpPr>
+          <p:spPr>
+            <a:xfrm flipH="1">
+              <a:off x="2358272" y="1839502"/>
+              <a:ext cx="1582133" cy="2967382"/>
+            </a:xfrm>
+            <a:prstGeom prst="straightConnector1">
+              <a:avLst/>
+            </a:prstGeom>
+            <a:ln w="19050">
+              <a:tailEnd type="triangle"/>
+            </a:ln>
+          </p:spPr>
+          <p:style>
+            <a:lnRef idx="1">
+              <a:schemeClr val="dk1"/>
+            </a:lnRef>
+            <a:fillRef idx="0">
+              <a:schemeClr val="dk1"/>
+            </a:fillRef>
+            <a:effectRef idx="0">
+              <a:schemeClr val="dk1"/>
+            </a:effectRef>
+            <a:fontRef idx="minor">
               <a:schemeClr val="tx1"/>
-            </a:solidFill>
-          </a:ln>
-        </p:spPr>
-        <p:txBody>
-          <a:bodyPr wrap="square" rtlCol="0">
-            <a:spAutoFit/>
-          </a:bodyPr>
-          <a:lstStyle/>
-          <a:p>
-            <a:r>
-              <a:rPr lang="de-DE" dirty="0"/>
-              <a:t>EPICS Schnittstelle </a:t>
-            </a:r>
-          </a:p>
-        </p:txBody>
-      </p:sp>
-      <p:pic>
-        <p:nvPicPr>
-          <p:cNvPr id="16" name="Graphic 15" descr="Server">
-            <a:extLst>
-              <a:ext uri="{FF2B5EF4-FFF2-40B4-BE49-F238E27FC236}">
-                <a16:creationId xmlns:a16="http://schemas.microsoft.com/office/drawing/2014/main" id="{32F17997-4919-4351-BEB3-BC5D79CC7F22}"/>
-              </a:ext>
-            </a:extLst>
-          </p:cNvPr>
-          <p:cNvPicPr>
-            <a:picLocks noChangeAspect="1"/>
-          </p:cNvPicPr>
-          <p:nvPr/>
-        </p:nvPicPr>
-        <p:blipFill>
-          <a:blip r:embed="rId6">
-            <a:extLst>
-              <a:ext uri="{28A0092B-C50C-407E-A947-70E740481C1C}">
-                <a14:useLocalDpi xmlns:a14="http://schemas.microsoft.com/office/drawing/2010/main" val="0"/>
-              </a:ext>
-              <a:ext uri="{96DAC541-7B7A-43D3-8B79-37D633B846F1}">
-                <asvg:svgBlip xmlns:asvg="http://schemas.microsoft.com/office/drawing/2016/SVG/main" r:embed="rId7"/>
-              </a:ext>
-            </a:extLst>
-          </a:blip>
-          <a:stretch>
-            <a:fillRect/>
-          </a:stretch>
-        </p:blipFill>
-        <p:spPr>
-          <a:xfrm>
-            <a:off x="7996679" y="4015858"/>
-            <a:ext cx="1212720" cy="1212720"/>
-          </a:xfrm>
-          <a:prstGeom prst="rect">
-            <a:avLst/>
-          </a:prstGeom>
-        </p:spPr>
-      </p:pic>
-      <p:pic>
-        <p:nvPicPr>
-          <p:cNvPr id="18" name="Graphic 17" descr="User">
-            <a:extLst>
-              <a:ext uri="{FF2B5EF4-FFF2-40B4-BE49-F238E27FC236}">
-                <a16:creationId xmlns:a16="http://schemas.microsoft.com/office/drawing/2014/main" id="{89B1FEA1-1AD1-4C95-924E-124ED3F43540}"/>
-              </a:ext>
-            </a:extLst>
-          </p:cNvPr>
-          <p:cNvPicPr>
-            <a:picLocks noChangeAspect="1"/>
-          </p:cNvPicPr>
-          <p:nvPr/>
-        </p:nvPicPr>
-        <p:blipFill>
-          <a:blip r:embed="rId8">
-            <a:extLst>
-              <a:ext uri="{28A0092B-C50C-407E-A947-70E740481C1C}">
-                <a14:useLocalDpi xmlns:a14="http://schemas.microsoft.com/office/drawing/2010/main" val="0"/>
-              </a:ext>
-              <a:ext uri="{96DAC541-7B7A-43D3-8B79-37D633B846F1}">
-                <asvg:svgBlip xmlns:asvg="http://schemas.microsoft.com/office/drawing/2016/SVG/main" r:embed="rId9"/>
-              </a:ext>
-            </a:extLst>
-          </a:blip>
-          <a:stretch>
-            <a:fillRect/>
-          </a:stretch>
-        </p:blipFill>
-        <p:spPr>
-          <a:xfrm>
-            <a:off x="10194339" y="2430841"/>
-            <a:ext cx="914400" cy="914400"/>
-          </a:xfrm>
-          <a:prstGeom prst="rect">
-            <a:avLst/>
-          </a:prstGeom>
-        </p:spPr>
-      </p:pic>
-      <p:pic>
-        <p:nvPicPr>
-          <p:cNvPr id="19" name="Graphic 18" descr="User">
-            <a:extLst>
-              <a:ext uri="{FF2B5EF4-FFF2-40B4-BE49-F238E27FC236}">
-                <a16:creationId xmlns:a16="http://schemas.microsoft.com/office/drawing/2014/main" id="{BFE2C6EC-32F6-40E2-9EF3-1AF907FD955B}"/>
-              </a:ext>
-            </a:extLst>
-          </p:cNvPr>
-          <p:cNvPicPr>
-            <a:picLocks noChangeAspect="1"/>
-          </p:cNvPicPr>
-          <p:nvPr/>
-        </p:nvPicPr>
-        <p:blipFill>
-          <a:blip r:embed="rId8">
-            <a:extLst>
-              <a:ext uri="{28A0092B-C50C-407E-A947-70E740481C1C}">
-                <a14:useLocalDpi xmlns:a14="http://schemas.microsoft.com/office/drawing/2010/main" val="0"/>
-              </a:ext>
-              <a:ext uri="{96DAC541-7B7A-43D3-8B79-37D633B846F1}">
-                <asvg:svgBlip xmlns:asvg="http://schemas.microsoft.com/office/drawing/2016/SVG/main" r:embed="rId9"/>
-              </a:ext>
-            </a:extLst>
-          </a:blip>
-          <a:stretch>
-            <a:fillRect/>
-          </a:stretch>
-        </p:blipFill>
-        <p:spPr>
-          <a:xfrm>
-            <a:off x="10121036" y="4657778"/>
-            <a:ext cx="914400" cy="914400"/>
-          </a:xfrm>
-          <a:prstGeom prst="rect">
-            <a:avLst/>
-          </a:prstGeom>
-        </p:spPr>
-      </p:pic>
-      <p:cxnSp>
-        <p:nvCxnSpPr>
-          <p:cNvPr id="21" name="Straight Arrow Connector 20">
-            <a:extLst>
-              <a:ext uri="{FF2B5EF4-FFF2-40B4-BE49-F238E27FC236}">
-                <a16:creationId xmlns:a16="http://schemas.microsoft.com/office/drawing/2014/main" id="{4FC70EB3-7FE6-4935-969A-3AB3541C171B}"/>
-              </a:ext>
-            </a:extLst>
-          </p:cNvPr>
-          <p:cNvCxnSpPr>
-            <a:stCxn id="10" idx="1"/>
-            <a:endCxn id="5" idx="3"/>
-          </p:cNvCxnSpPr>
-          <p:nvPr/>
-        </p:nvCxnSpPr>
-        <p:spPr>
-          <a:xfrm flipH="1">
-            <a:off x="2358272" y="1839502"/>
-            <a:ext cx="1582133" cy="326306"/>
-          </a:xfrm>
-          <a:prstGeom prst="straightConnector1">
-            <a:avLst/>
-          </a:prstGeom>
-          <a:ln w="19050">
-            <a:headEnd type="oval" w="med" len="med"/>
-            <a:tailEnd type="triangle" w="med" len="med"/>
-          </a:ln>
-        </p:spPr>
-        <p:style>
-          <a:lnRef idx="1">
-            <a:schemeClr val="dk1"/>
-          </a:lnRef>
-          <a:fillRef idx="0">
-            <a:schemeClr val="dk1"/>
-          </a:fillRef>
-          <a:effectRef idx="0">
-            <a:schemeClr val="dk1"/>
-          </a:effectRef>
-          <a:fontRef idx="minor">
-            <a:schemeClr val="tx1"/>
-          </a:fontRef>
-        </p:style>
-      </p:cxnSp>
-      <p:cxnSp>
-        <p:nvCxnSpPr>
-          <p:cNvPr id="22" name="Straight Arrow Connector 21">
-            <a:extLst>
-              <a:ext uri="{FF2B5EF4-FFF2-40B4-BE49-F238E27FC236}">
-                <a16:creationId xmlns:a16="http://schemas.microsoft.com/office/drawing/2014/main" id="{EAA84337-B2D7-43F3-B2A7-1A533AF1D0FF}"/>
-              </a:ext>
-            </a:extLst>
-          </p:cNvPr>
-          <p:cNvCxnSpPr>
-            <a:cxnSpLocks/>
-            <a:stCxn id="10" idx="1"/>
-            <a:endCxn id="6" idx="3"/>
-          </p:cNvCxnSpPr>
-          <p:nvPr/>
-        </p:nvCxnSpPr>
-        <p:spPr>
-          <a:xfrm flipH="1">
-            <a:off x="2358272" y="1839502"/>
-            <a:ext cx="1582133" cy="1589498"/>
-          </a:xfrm>
-          <a:prstGeom prst="straightConnector1">
-            <a:avLst/>
-          </a:prstGeom>
-          <a:ln w="19050">
-            <a:tailEnd type="triangle"/>
-          </a:ln>
-        </p:spPr>
-        <p:style>
-          <a:lnRef idx="1">
-            <a:schemeClr val="dk1"/>
-          </a:lnRef>
-          <a:fillRef idx="0">
-            <a:schemeClr val="dk1"/>
-          </a:fillRef>
-          <a:effectRef idx="0">
-            <a:schemeClr val="dk1"/>
-          </a:effectRef>
-          <a:fontRef idx="minor">
-            <a:schemeClr val="tx1"/>
-          </a:fontRef>
-        </p:style>
-      </p:cxnSp>
-      <p:cxnSp>
-        <p:nvCxnSpPr>
-          <p:cNvPr id="25" name="Straight Arrow Connector 24">
-            <a:extLst>
-              <a:ext uri="{FF2B5EF4-FFF2-40B4-BE49-F238E27FC236}">
-                <a16:creationId xmlns:a16="http://schemas.microsoft.com/office/drawing/2014/main" id="{00E6B212-048B-4F64-9165-90C306CCECF4}"/>
-              </a:ext>
-            </a:extLst>
-          </p:cNvPr>
-          <p:cNvCxnSpPr>
-            <a:cxnSpLocks/>
-            <a:stCxn id="10" idx="1"/>
-            <a:endCxn id="7" idx="3"/>
-          </p:cNvCxnSpPr>
-          <p:nvPr/>
-        </p:nvCxnSpPr>
-        <p:spPr>
-          <a:xfrm flipH="1">
-            <a:off x="2358272" y="1839502"/>
-            <a:ext cx="1582133" cy="2967382"/>
-          </a:xfrm>
-          <a:prstGeom prst="straightConnector1">
-            <a:avLst/>
-          </a:prstGeom>
-          <a:ln w="19050">
-            <a:tailEnd type="triangle"/>
-          </a:ln>
-        </p:spPr>
-        <p:style>
-          <a:lnRef idx="1">
-            <a:schemeClr val="dk1"/>
-          </a:lnRef>
-          <a:fillRef idx="0">
-            <a:schemeClr val="dk1"/>
-          </a:fillRef>
-          <a:effectRef idx="0">
-            <a:schemeClr val="dk1"/>
-          </a:effectRef>
-          <a:fontRef idx="minor">
-            <a:schemeClr val="tx1"/>
-          </a:fontRef>
-        </p:style>
-      </p:cxnSp>
-      <p:cxnSp>
-        <p:nvCxnSpPr>
-          <p:cNvPr id="28" name="Straight Arrow Connector 27">
-            <a:extLst>
-              <a:ext uri="{FF2B5EF4-FFF2-40B4-BE49-F238E27FC236}">
-                <a16:creationId xmlns:a16="http://schemas.microsoft.com/office/drawing/2014/main" id="{A1FC80AC-F624-4E06-B77E-9DEED4542F2D}"/>
-              </a:ext>
-            </a:extLst>
-          </p:cNvPr>
-          <p:cNvCxnSpPr>
-            <a:cxnSpLocks/>
-            <a:stCxn id="10" idx="2"/>
-          </p:cNvCxnSpPr>
-          <p:nvPr/>
-        </p:nvCxnSpPr>
-        <p:spPr>
-          <a:xfrm>
-            <a:off x="4609708" y="2162667"/>
-            <a:ext cx="0" cy="1146185"/>
-          </a:xfrm>
-          <a:prstGeom prst="straightConnector1">
-            <a:avLst/>
-          </a:prstGeom>
-          <a:ln w="19050">
-            <a:headEnd type="none" w="med" len="med"/>
-            <a:tailEnd type="triangle" w="med" len="med"/>
-          </a:ln>
-        </p:spPr>
-        <p:style>
-          <a:lnRef idx="1">
-            <a:schemeClr val="dk1"/>
-          </a:lnRef>
-          <a:fillRef idx="0">
-            <a:schemeClr val="dk1"/>
-          </a:fillRef>
-          <a:effectRef idx="0">
-            <a:schemeClr val="dk1"/>
-          </a:effectRef>
-          <a:fontRef idx="minor">
-            <a:schemeClr val="tx1"/>
-          </a:fontRef>
-        </p:style>
-      </p:cxnSp>
-      <p:cxnSp>
-        <p:nvCxnSpPr>
-          <p:cNvPr id="32" name="Straight Arrow Connector 31">
-            <a:extLst>
-              <a:ext uri="{FF2B5EF4-FFF2-40B4-BE49-F238E27FC236}">
-                <a16:creationId xmlns:a16="http://schemas.microsoft.com/office/drawing/2014/main" id="{0BAFBE35-FAE7-4A33-ADCE-3609DB0722F5}"/>
-              </a:ext>
-            </a:extLst>
-          </p:cNvPr>
-          <p:cNvCxnSpPr>
-            <a:cxnSpLocks/>
-          </p:cNvCxnSpPr>
-          <p:nvPr/>
-        </p:nvCxnSpPr>
-        <p:spPr>
-          <a:xfrm>
-            <a:off x="4609708" y="3682032"/>
-            <a:ext cx="0" cy="755520"/>
-          </a:xfrm>
-          <a:prstGeom prst="straightConnector1">
-            <a:avLst/>
-          </a:prstGeom>
-          <a:ln w="19050">
-            <a:headEnd type="none" w="med" len="med"/>
-            <a:tailEnd type="triangle" w="med" len="med"/>
-          </a:ln>
-        </p:spPr>
-        <p:style>
-          <a:lnRef idx="1">
-            <a:schemeClr val="dk1"/>
-          </a:lnRef>
-          <a:fillRef idx="0">
-            <a:schemeClr val="dk1"/>
-          </a:fillRef>
-          <a:effectRef idx="0">
-            <a:schemeClr val="dk1"/>
-          </a:effectRef>
-          <a:fontRef idx="minor">
-            <a:schemeClr val="tx1"/>
-          </a:fontRef>
-        </p:style>
-      </p:cxnSp>
-      <p:sp>
-        <p:nvSpPr>
-          <p:cNvPr id="34" name="TextBox 33">
-            <a:extLst>
-              <a:ext uri="{FF2B5EF4-FFF2-40B4-BE49-F238E27FC236}">
-                <a16:creationId xmlns:a16="http://schemas.microsoft.com/office/drawing/2014/main" id="{F8726854-3353-4382-BEF8-959BE89D558F}"/>
-              </a:ext>
-            </a:extLst>
-          </p:cNvPr>
-          <p:cNvSpPr txBox="1"/>
-          <p:nvPr/>
-        </p:nvSpPr>
-        <p:spPr>
-          <a:xfrm rot="2698894">
-            <a:off x="5586798" y="1339247"/>
-            <a:ext cx="1605280" cy="369332"/>
-          </a:xfrm>
-          <a:prstGeom prst="rect">
-            <a:avLst/>
-          </a:prstGeom>
-          <a:noFill/>
-        </p:spPr>
-        <p:txBody>
-          <a:bodyPr wrap="square" rtlCol="0">
-            <a:spAutoFit/>
-          </a:bodyPr>
-          <a:lstStyle/>
-          <a:p>
-            <a:r>
-              <a:rPr lang="de-DE" dirty="0"/>
-              <a:t>Python Skript</a:t>
-            </a:r>
-          </a:p>
-        </p:txBody>
-      </p:sp>
-      <p:cxnSp>
-        <p:nvCxnSpPr>
-          <p:cNvPr id="45" name="Straight Connector 44">
-            <a:extLst>
-              <a:ext uri="{FF2B5EF4-FFF2-40B4-BE49-F238E27FC236}">
-                <a16:creationId xmlns:a16="http://schemas.microsoft.com/office/drawing/2014/main" id="{0556CB62-9186-4661-8289-D03A60F0221A}"/>
-              </a:ext>
-            </a:extLst>
-          </p:cNvPr>
-          <p:cNvCxnSpPr>
-            <a:cxnSpLocks/>
-          </p:cNvCxnSpPr>
-          <p:nvPr/>
-        </p:nvCxnSpPr>
-        <p:spPr>
-          <a:xfrm>
-            <a:off x="4609708" y="4806884"/>
-            <a:ext cx="0" cy="765294"/>
-          </a:xfrm>
-          <a:prstGeom prst="line">
-            <a:avLst/>
-          </a:prstGeom>
-          <a:ln w="19050"/>
-        </p:spPr>
-        <p:style>
-          <a:lnRef idx="1">
-            <a:schemeClr val="dk1"/>
-          </a:lnRef>
-          <a:fillRef idx="0">
-            <a:schemeClr val="dk1"/>
-          </a:fillRef>
-          <a:effectRef idx="0">
-            <a:schemeClr val="dk1"/>
-          </a:effectRef>
-          <a:fontRef idx="minor">
-            <a:schemeClr val="tx1"/>
-          </a:fontRef>
-        </p:style>
-      </p:cxnSp>
-      <p:cxnSp>
-        <p:nvCxnSpPr>
-          <p:cNvPr id="46" name="Straight Connector 45">
-            <a:extLst>
-              <a:ext uri="{FF2B5EF4-FFF2-40B4-BE49-F238E27FC236}">
-                <a16:creationId xmlns:a16="http://schemas.microsoft.com/office/drawing/2014/main" id="{E4DE3312-492B-4D69-AF84-E45FF4291690}"/>
-              </a:ext>
-            </a:extLst>
-          </p:cNvPr>
-          <p:cNvCxnSpPr>
-            <a:cxnSpLocks/>
-          </p:cNvCxnSpPr>
-          <p:nvPr/>
-        </p:nvCxnSpPr>
-        <p:spPr>
-          <a:xfrm flipH="1">
-            <a:off x="4609708" y="5592498"/>
-            <a:ext cx="2409763" cy="0"/>
-          </a:xfrm>
-          <a:prstGeom prst="line">
-            <a:avLst/>
-          </a:prstGeom>
-          <a:ln w="19050"/>
-        </p:spPr>
-        <p:style>
-          <a:lnRef idx="1">
-            <a:schemeClr val="dk1"/>
-          </a:lnRef>
-          <a:fillRef idx="0">
-            <a:schemeClr val="dk1"/>
-          </a:fillRef>
-          <a:effectRef idx="0">
-            <a:schemeClr val="dk1"/>
-          </a:effectRef>
-          <a:fontRef idx="minor">
-            <a:schemeClr val="tx1"/>
-          </a:fontRef>
-        </p:style>
-      </p:cxnSp>
-      <p:cxnSp>
-        <p:nvCxnSpPr>
-          <p:cNvPr id="49" name="Straight Connector 48">
-            <a:extLst>
-              <a:ext uri="{FF2B5EF4-FFF2-40B4-BE49-F238E27FC236}">
-                <a16:creationId xmlns:a16="http://schemas.microsoft.com/office/drawing/2014/main" id="{B8C4E1FF-9ECF-4A76-A111-CC290389E481}"/>
-              </a:ext>
-            </a:extLst>
-          </p:cNvPr>
-          <p:cNvCxnSpPr>
-            <a:cxnSpLocks/>
-          </p:cNvCxnSpPr>
-          <p:nvPr/>
-        </p:nvCxnSpPr>
-        <p:spPr>
-          <a:xfrm>
-            <a:off x="7019471" y="565862"/>
-            <a:ext cx="0" cy="5026636"/>
-          </a:xfrm>
-          <a:prstGeom prst="line">
-            <a:avLst/>
-          </a:prstGeom>
-          <a:ln w="19050"/>
-        </p:spPr>
-        <p:style>
-          <a:lnRef idx="1">
-            <a:schemeClr val="dk1"/>
-          </a:lnRef>
-          <a:fillRef idx="0">
-            <a:schemeClr val="dk1"/>
-          </a:fillRef>
-          <a:effectRef idx="0">
-            <a:schemeClr val="dk1"/>
-          </a:effectRef>
-          <a:fontRef idx="minor">
-            <a:schemeClr val="tx1"/>
-          </a:fontRef>
-        </p:style>
-      </p:cxnSp>
-      <p:cxnSp>
-        <p:nvCxnSpPr>
-          <p:cNvPr id="51" name="Straight Connector 50">
-            <a:extLst>
-              <a:ext uri="{FF2B5EF4-FFF2-40B4-BE49-F238E27FC236}">
-                <a16:creationId xmlns:a16="http://schemas.microsoft.com/office/drawing/2014/main" id="{917B8B65-4F0C-4C0A-9154-181E7142384D}"/>
-              </a:ext>
-            </a:extLst>
-          </p:cNvPr>
-          <p:cNvCxnSpPr>
-            <a:cxnSpLocks/>
-          </p:cNvCxnSpPr>
-          <p:nvPr/>
-        </p:nvCxnSpPr>
-        <p:spPr>
-          <a:xfrm>
-            <a:off x="4609708" y="565862"/>
-            <a:ext cx="2426392" cy="0"/>
-          </a:xfrm>
-          <a:prstGeom prst="line">
-            <a:avLst/>
-          </a:prstGeom>
-          <a:ln w="19050"/>
-        </p:spPr>
-        <p:style>
-          <a:lnRef idx="1">
-            <a:schemeClr val="dk1"/>
-          </a:lnRef>
-          <a:fillRef idx="0">
-            <a:schemeClr val="dk1"/>
-          </a:fillRef>
-          <a:effectRef idx="0">
-            <a:schemeClr val="dk1"/>
-          </a:effectRef>
-          <a:fontRef idx="minor">
-            <a:schemeClr val="tx1"/>
-          </a:fontRef>
-        </p:style>
-      </p:cxnSp>
-      <p:cxnSp>
-        <p:nvCxnSpPr>
-          <p:cNvPr id="54" name="Straight Connector 53">
-            <a:extLst>
-              <a:ext uri="{FF2B5EF4-FFF2-40B4-BE49-F238E27FC236}">
-                <a16:creationId xmlns:a16="http://schemas.microsoft.com/office/drawing/2014/main" id="{295B0993-968C-4D2F-B454-9DB37C86F7C1}"/>
-              </a:ext>
-            </a:extLst>
-          </p:cNvPr>
-          <p:cNvCxnSpPr>
-            <a:cxnSpLocks/>
-            <a:endCxn id="10" idx="0"/>
-          </p:cNvCxnSpPr>
-          <p:nvPr/>
-        </p:nvCxnSpPr>
-        <p:spPr>
-          <a:xfrm>
-            <a:off x="4609708" y="565862"/>
-            <a:ext cx="0" cy="950474"/>
-          </a:xfrm>
-          <a:prstGeom prst="line">
-            <a:avLst/>
-          </a:prstGeom>
-          <a:ln w="19050">
-            <a:tailEnd type="triangle"/>
-          </a:ln>
-        </p:spPr>
-        <p:style>
-          <a:lnRef idx="1">
-            <a:schemeClr val="dk1"/>
-          </a:lnRef>
-          <a:fillRef idx="0">
-            <a:schemeClr val="dk1"/>
-          </a:fillRef>
-          <a:effectRef idx="0">
-            <a:schemeClr val="dk1"/>
-          </a:effectRef>
-          <a:fontRef idx="minor">
-            <a:schemeClr val="tx1"/>
-          </a:fontRef>
-        </p:style>
-      </p:cxnSp>
-      <p:cxnSp>
-        <p:nvCxnSpPr>
-          <p:cNvPr id="57" name="Straight Arrow Connector 56">
-            <a:extLst>
-              <a:ext uri="{FF2B5EF4-FFF2-40B4-BE49-F238E27FC236}">
-                <a16:creationId xmlns:a16="http://schemas.microsoft.com/office/drawing/2014/main" id="{F727A360-56CB-49AE-8E23-971B8A96B0DF}"/>
-              </a:ext>
-            </a:extLst>
-          </p:cNvPr>
-          <p:cNvCxnSpPr>
-            <a:cxnSpLocks/>
-            <a:stCxn id="12" idx="3"/>
-            <a:endCxn id="16" idx="1"/>
-          </p:cNvCxnSpPr>
-          <p:nvPr/>
-        </p:nvCxnSpPr>
-        <p:spPr>
-          <a:xfrm>
-            <a:off x="6250169" y="4622218"/>
-            <a:ext cx="1746510" cy="0"/>
-          </a:xfrm>
-          <a:prstGeom prst="straightConnector1">
-            <a:avLst/>
-          </a:prstGeom>
-          <a:ln w="19050">
-            <a:prstDash val="sysDash"/>
-            <a:headEnd type="oval" w="med" len="med"/>
-            <a:tailEnd type="triangle" w="med" len="med"/>
-          </a:ln>
-        </p:spPr>
-        <p:style>
-          <a:lnRef idx="1">
-            <a:schemeClr val="dk1"/>
-          </a:lnRef>
-          <a:fillRef idx="0">
-            <a:schemeClr val="dk1"/>
-          </a:fillRef>
-          <a:effectRef idx="0">
-            <a:schemeClr val="dk1"/>
-          </a:effectRef>
-          <a:fontRef idx="minor">
-            <a:schemeClr val="tx1"/>
-          </a:fontRef>
-        </p:style>
-      </p:cxnSp>
-      <p:cxnSp>
-        <p:nvCxnSpPr>
-          <p:cNvPr id="62" name="Straight Arrow Connector 61">
-            <a:extLst>
-              <a:ext uri="{FF2B5EF4-FFF2-40B4-BE49-F238E27FC236}">
-                <a16:creationId xmlns:a16="http://schemas.microsoft.com/office/drawing/2014/main" id="{7F952613-4287-4FAA-9D96-05D001D57ED7}"/>
-              </a:ext>
-            </a:extLst>
-          </p:cNvPr>
-          <p:cNvCxnSpPr>
-            <a:cxnSpLocks/>
-            <a:stCxn id="16" idx="3"/>
-            <a:endCxn id="19" idx="1"/>
-          </p:cNvCxnSpPr>
-          <p:nvPr/>
-        </p:nvCxnSpPr>
-        <p:spPr>
-          <a:xfrm>
-            <a:off x="9209399" y="4622218"/>
-            <a:ext cx="911637" cy="492760"/>
-          </a:xfrm>
-          <a:prstGeom prst="straightConnector1">
-            <a:avLst/>
-          </a:prstGeom>
-          <a:ln w="19050">
-            <a:prstDash val="dash"/>
-            <a:headEnd type="arrow" w="med" len="med"/>
-            <a:tailEnd type="arrow" w="med" len="med"/>
-          </a:ln>
-        </p:spPr>
-        <p:style>
-          <a:lnRef idx="1">
-            <a:schemeClr val="dk1"/>
-          </a:lnRef>
-          <a:fillRef idx="0">
-            <a:schemeClr val="dk1"/>
-          </a:fillRef>
-          <a:effectRef idx="0">
-            <a:schemeClr val="dk1"/>
-          </a:effectRef>
-          <a:fontRef idx="minor">
-            <a:schemeClr val="tx1"/>
-          </a:fontRef>
-        </p:style>
-      </p:cxnSp>
-      <p:cxnSp>
-        <p:nvCxnSpPr>
-          <p:cNvPr id="65" name="Straight Arrow Connector 64">
-            <a:extLst>
-              <a:ext uri="{FF2B5EF4-FFF2-40B4-BE49-F238E27FC236}">
-                <a16:creationId xmlns:a16="http://schemas.microsoft.com/office/drawing/2014/main" id="{250D75B6-9F23-4113-9237-3C332227EBED}"/>
-              </a:ext>
-            </a:extLst>
-          </p:cNvPr>
-          <p:cNvCxnSpPr>
-            <a:cxnSpLocks/>
-            <a:stCxn id="16" idx="3"/>
-            <a:endCxn id="18" idx="2"/>
-          </p:cNvCxnSpPr>
-          <p:nvPr/>
-        </p:nvCxnSpPr>
-        <p:spPr>
-          <a:xfrm flipV="1">
-            <a:off x="9209399" y="3345241"/>
-            <a:ext cx="1442140" cy="1276977"/>
-          </a:xfrm>
-          <a:prstGeom prst="straightConnector1">
-            <a:avLst/>
-          </a:prstGeom>
-          <a:ln w="19050">
-            <a:prstDash val="dash"/>
-            <a:headEnd type="arrow" w="med" len="med"/>
-            <a:tailEnd type="arrow" w="med" len="med"/>
-          </a:ln>
-        </p:spPr>
-        <p:style>
-          <a:lnRef idx="1">
-            <a:schemeClr val="dk1"/>
-          </a:lnRef>
-          <a:fillRef idx="0">
-            <a:schemeClr val="dk1"/>
-          </a:fillRef>
-          <a:effectRef idx="0">
-            <a:schemeClr val="dk1"/>
-          </a:effectRef>
-          <a:fontRef idx="minor">
-            <a:schemeClr val="tx1"/>
-          </a:fontRef>
-        </p:style>
-      </p:cxnSp>
-      <p:sp>
-        <p:nvSpPr>
-          <p:cNvPr id="75" name="TextBox 74">
-            <a:extLst>
-              <a:ext uri="{FF2B5EF4-FFF2-40B4-BE49-F238E27FC236}">
-                <a16:creationId xmlns:a16="http://schemas.microsoft.com/office/drawing/2014/main" id="{45F9ABF1-EDDD-423C-8779-8B02F98234FB}"/>
-              </a:ext>
-            </a:extLst>
-          </p:cNvPr>
-          <p:cNvSpPr txBox="1"/>
-          <p:nvPr/>
-        </p:nvSpPr>
-        <p:spPr>
-          <a:xfrm>
-            <a:off x="4627030" y="3886200"/>
-            <a:ext cx="1195397" cy="369332"/>
-          </a:xfrm>
-          <a:prstGeom prst="rect">
-            <a:avLst/>
-          </a:prstGeom>
-          <a:noFill/>
-        </p:spPr>
-        <p:txBody>
-          <a:bodyPr wrap="square" rtlCol="0">
-            <a:spAutoFit/>
-          </a:bodyPr>
-          <a:lstStyle/>
-          <a:p>
-            <a:r>
-              <a:rPr lang="de-DE" i="1" dirty="0"/>
-              <a:t>Parameter</a:t>
-            </a:r>
-          </a:p>
-        </p:txBody>
-      </p:sp>
-      <p:sp>
-        <p:nvSpPr>
-          <p:cNvPr id="82" name="TextBox 81">
-            <a:extLst>
-              <a:ext uri="{FF2B5EF4-FFF2-40B4-BE49-F238E27FC236}">
-                <a16:creationId xmlns:a16="http://schemas.microsoft.com/office/drawing/2014/main" id="{81762885-BFDD-4FA0-92EE-2A3A7F5E4A73}"/>
-              </a:ext>
-            </a:extLst>
-          </p:cNvPr>
-          <p:cNvSpPr txBox="1"/>
-          <p:nvPr/>
-        </p:nvSpPr>
-        <p:spPr>
-          <a:xfrm>
-            <a:off x="4612516" y="2704556"/>
-            <a:ext cx="1325493" cy="369332"/>
-          </a:xfrm>
-          <a:prstGeom prst="rect">
-            <a:avLst/>
-          </a:prstGeom>
-          <a:noFill/>
-        </p:spPr>
-        <p:txBody>
-          <a:bodyPr wrap="square" rtlCol="0">
-            <a:spAutoFit/>
-          </a:bodyPr>
-          <a:lstStyle/>
-          <a:p>
-            <a:r>
-              <a:rPr lang="de-DE" i="1" dirty="0"/>
-              <a:t>Datensätze</a:t>
-            </a:r>
-          </a:p>
-        </p:txBody>
-      </p:sp>
-      <p:sp>
-        <p:nvSpPr>
-          <p:cNvPr id="83" name="TextBox 82">
-            <a:extLst>
-              <a:ext uri="{FF2B5EF4-FFF2-40B4-BE49-F238E27FC236}">
-                <a16:creationId xmlns:a16="http://schemas.microsoft.com/office/drawing/2014/main" id="{0D76BDFF-CD62-456C-AC3E-62FFF330521D}"/>
-              </a:ext>
-            </a:extLst>
-          </p:cNvPr>
-          <p:cNvSpPr txBox="1"/>
-          <p:nvPr/>
-        </p:nvSpPr>
-        <p:spPr>
-          <a:xfrm>
-            <a:off x="8232189" y="3831192"/>
-            <a:ext cx="1605280" cy="369332"/>
-          </a:xfrm>
-          <a:prstGeom prst="rect">
-            <a:avLst/>
-          </a:prstGeom>
-          <a:noFill/>
-        </p:spPr>
-        <p:txBody>
-          <a:bodyPr wrap="square" rtlCol="0">
-            <a:spAutoFit/>
-          </a:bodyPr>
-          <a:lstStyle/>
-          <a:p>
-            <a:r>
-              <a:rPr lang="de-DE" dirty="0"/>
-              <a:t>EPICS</a:t>
-            </a:r>
-          </a:p>
-        </p:txBody>
-      </p:sp>
+            </a:fontRef>
+          </p:style>
+        </p:cxnSp>
+        <p:cxnSp>
+          <p:nvCxnSpPr>
+            <p:cNvPr id="28" name="Straight Arrow Connector 27">
+              <a:extLst>
+                <a:ext uri="{FF2B5EF4-FFF2-40B4-BE49-F238E27FC236}">
+                  <a16:creationId xmlns:a16="http://schemas.microsoft.com/office/drawing/2014/main" id="{A1FC80AC-F624-4E06-B77E-9DEED4542F2D}"/>
+                </a:ext>
+              </a:extLst>
+            </p:cNvPr>
+            <p:cNvCxnSpPr>
+              <a:cxnSpLocks/>
+              <a:stCxn id="10" idx="2"/>
+            </p:cNvCxnSpPr>
+            <p:nvPr/>
+          </p:nvCxnSpPr>
+          <p:spPr>
+            <a:xfrm>
+              <a:off x="4609708" y="2162667"/>
+              <a:ext cx="0" cy="1146185"/>
+            </a:xfrm>
+            <a:prstGeom prst="straightConnector1">
+              <a:avLst/>
+            </a:prstGeom>
+            <a:ln w="19050">
+              <a:headEnd type="none" w="med" len="med"/>
+              <a:tailEnd type="triangle" w="med" len="med"/>
+            </a:ln>
+          </p:spPr>
+          <p:style>
+            <a:lnRef idx="1">
+              <a:schemeClr val="dk1"/>
+            </a:lnRef>
+            <a:fillRef idx="0">
+              <a:schemeClr val="dk1"/>
+            </a:fillRef>
+            <a:effectRef idx="0">
+              <a:schemeClr val="dk1"/>
+            </a:effectRef>
+            <a:fontRef idx="minor">
+              <a:schemeClr val="tx1"/>
+            </a:fontRef>
+          </p:style>
+        </p:cxnSp>
+        <p:cxnSp>
+          <p:nvCxnSpPr>
+            <p:cNvPr id="32" name="Straight Arrow Connector 31">
+              <a:extLst>
+                <a:ext uri="{FF2B5EF4-FFF2-40B4-BE49-F238E27FC236}">
+                  <a16:creationId xmlns:a16="http://schemas.microsoft.com/office/drawing/2014/main" id="{0BAFBE35-FAE7-4A33-ADCE-3609DB0722F5}"/>
+                </a:ext>
+              </a:extLst>
+            </p:cNvPr>
+            <p:cNvCxnSpPr>
+              <a:cxnSpLocks/>
+            </p:cNvCxnSpPr>
+            <p:nvPr/>
+          </p:nvCxnSpPr>
+          <p:spPr>
+            <a:xfrm>
+              <a:off x="4609708" y="3682032"/>
+              <a:ext cx="0" cy="755520"/>
+            </a:xfrm>
+            <a:prstGeom prst="straightConnector1">
+              <a:avLst/>
+            </a:prstGeom>
+            <a:ln w="19050">
+              <a:headEnd type="none" w="med" len="med"/>
+              <a:tailEnd type="triangle" w="med" len="med"/>
+            </a:ln>
+          </p:spPr>
+          <p:style>
+            <a:lnRef idx="1">
+              <a:schemeClr val="dk1"/>
+            </a:lnRef>
+            <a:fillRef idx="0">
+              <a:schemeClr val="dk1"/>
+            </a:fillRef>
+            <a:effectRef idx="0">
+              <a:schemeClr val="dk1"/>
+            </a:effectRef>
+            <a:fontRef idx="minor">
+              <a:schemeClr val="tx1"/>
+            </a:fontRef>
+          </p:style>
+        </p:cxnSp>
+        <p:sp>
+          <p:nvSpPr>
+            <p:cNvPr id="34" name="TextBox 33">
+              <a:extLst>
+                <a:ext uri="{FF2B5EF4-FFF2-40B4-BE49-F238E27FC236}">
+                  <a16:creationId xmlns:a16="http://schemas.microsoft.com/office/drawing/2014/main" id="{F8726854-3353-4382-BEF8-959BE89D558F}"/>
+                </a:ext>
+              </a:extLst>
+            </p:cNvPr>
+            <p:cNvSpPr txBox="1"/>
+            <p:nvPr/>
+          </p:nvSpPr>
+          <p:spPr>
+            <a:xfrm rot="2698894">
+              <a:off x="5586798" y="1339247"/>
+              <a:ext cx="1605280" cy="369332"/>
+            </a:xfrm>
+            <a:prstGeom prst="rect">
+              <a:avLst/>
+            </a:prstGeom>
+            <a:noFill/>
+          </p:spPr>
+          <p:txBody>
+            <a:bodyPr wrap="square" rtlCol="0">
+              <a:spAutoFit/>
+            </a:bodyPr>
+            <a:lstStyle/>
+            <a:p>
+              <a:r>
+                <a:rPr lang="de-DE" dirty="0"/>
+                <a:t>Python Skript</a:t>
+              </a:r>
+            </a:p>
+          </p:txBody>
+        </p:sp>
+        <p:cxnSp>
+          <p:nvCxnSpPr>
+            <p:cNvPr id="45" name="Straight Connector 44">
+              <a:extLst>
+                <a:ext uri="{FF2B5EF4-FFF2-40B4-BE49-F238E27FC236}">
+                  <a16:creationId xmlns:a16="http://schemas.microsoft.com/office/drawing/2014/main" id="{0556CB62-9186-4661-8289-D03A60F0221A}"/>
+                </a:ext>
+              </a:extLst>
+            </p:cNvPr>
+            <p:cNvCxnSpPr>
+              <a:cxnSpLocks/>
+            </p:cNvCxnSpPr>
+            <p:nvPr/>
+          </p:nvCxnSpPr>
+          <p:spPr>
+            <a:xfrm>
+              <a:off x="4609708" y="4806884"/>
+              <a:ext cx="0" cy="765294"/>
+            </a:xfrm>
+            <a:prstGeom prst="line">
+              <a:avLst/>
+            </a:prstGeom>
+            <a:ln w="19050"/>
+          </p:spPr>
+          <p:style>
+            <a:lnRef idx="1">
+              <a:schemeClr val="dk1"/>
+            </a:lnRef>
+            <a:fillRef idx="0">
+              <a:schemeClr val="dk1"/>
+            </a:fillRef>
+            <a:effectRef idx="0">
+              <a:schemeClr val="dk1"/>
+            </a:effectRef>
+            <a:fontRef idx="minor">
+              <a:schemeClr val="tx1"/>
+            </a:fontRef>
+          </p:style>
+        </p:cxnSp>
+        <p:cxnSp>
+          <p:nvCxnSpPr>
+            <p:cNvPr id="46" name="Straight Connector 45">
+              <a:extLst>
+                <a:ext uri="{FF2B5EF4-FFF2-40B4-BE49-F238E27FC236}">
+                  <a16:creationId xmlns:a16="http://schemas.microsoft.com/office/drawing/2014/main" id="{E4DE3312-492B-4D69-AF84-E45FF4291690}"/>
+                </a:ext>
+              </a:extLst>
+            </p:cNvPr>
+            <p:cNvCxnSpPr>
+              <a:cxnSpLocks/>
+            </p:cNvCxnSpPr>
+            <p:nvPr/>
+          </p:nvCxnSpPr>
+          <p:spPr>
+            <a:xfrm flipH="1">
+              <a:off x="4609708" y="5592498"/>
+              <a:ext cx="2409763" cy="0"/>
+            </a:xfrm>
+            <a:prstGeom prst="line">
+              <a:avLst/>
+            </a:prstGeom>
+            <a:ln w="19050"/>
+          </p:spPr>
+          <p:style>
+            <a:lnRef idx="1">
+              <a:schemeClr val="dk1"/>
+            </a:lnRef>
+            <a:fillRef idx="0">
+              <a:schemeClr val="dk1"/>
+            </a:fillRef>
+            <a:effectRef idx="0">
+              <a:schemeClr val="dk1"/>
+            </a:effectRef>
+            <a:fontRef idx="minor">
+              <a:schemeClr val="tx1"/>
+            </a:fontRef>
+          </p:style>
+        </p:cxnSp>
+        <p:cxnSp>
+          <p:nvCxnSpPr>
+            <p:cNvPr id="49" name="Straight Connector 48">
+              <a:extLst>
+                <a:ext uri="{FF2B5EF4-FFF2-40B4-BE49-F238E27FC236}">
+                  <a16:creationId xmlns:a16="http://schemas.microsoft.com/office/drawing/2014/main" id="{B8C4E1FF-9ECF-4A76-A111-CC290389E481}"/>
+                </a:ext>
+              </a:extLst>
+            </p:cNvPr>
+            <p:cNvCxnSpPr>
+              <a:cxnSpLocks/>
+            </p:cNvCxnSpPr>
+            <p:nvPr/>
+          </p:nvCxnSpPr>
+          <p:spPr>
+            <a:xfrm>
+              <a:off x="7019471" y="565862"/>
+              <a:ext cx="0" cy="5026636"/>
+            </a:xfrm>
+            <a:prstGeom prst="line">
+              <a:avLst/>
+            </a:prstGeom>
+            <a:ln w="19050"/>
+          </p:spPr>
+          <p:style>
+            <a:lnRef idx="1">
+              <a:schemeClr val="dk1"/>
+            </a:lnRef>
+            <a:fillRef idx="0">
+              <a:schemeClr val="dk1"/>
+            </a:fillRef>
+            <a:effectRef idx="0">
+              <a:schemeClr val="dk1"/>
+            </a:effectRef>
+            <a:fontRef idx="minor">
+              <a:schemeClr val="tx1"/>
+            </a:fontRef>
+          </p:style>
+        </p:cxnSp>
+        <p:cxnSp>
+          <p:nvCxnSpPr>
+            <p:cNvPr id="51" name="Straight Connector 50">
+              <a:extLst>
+                <a:ext uri="{FF2B5EF4-FFF2-40B4-BE49-F238E27FC236}">
+                  <a16:creationId xmlns:a16="http://schemas.microsoft.com/office/drawing/2014/main" id="{917B8B65-4F0C-4C0A-9154-181E7142384D}"/>
+                </a:ext>
+              </a:extLst>
+            </p:cNvPr>
+            <p:cNvCxnSpPr>
+              <a:cxnSpLocks/>
+            </p:cNvCxnSpPr>
+            <p:nvPr/>
+          </p:nvCxnSpPr>
+          <p:spPr>
+            <a:xfrm>
+              <a:off x="4609708" y="565862"/>
+              <a:ext cx="2426392" cy="0"/>
+            </a:xfrm>
+            <a:prstGeom prst="line">
+              <a:avLst/>
+            </a:prstGeom>
+            <a:ln w="19050"/>
+          </p:spPr>
+          <p:style>
+            <a:lnRef idx="1">
+              <a:schemeClr val="dk1"/>
+            </a:lnRef>
+            <a:fillRef idx="0">
+              <a:schemeClr val="dk1"/>
+            </a:fillRef>
+            <a:effectRef idx="0">
+              <a:schemeClr val="dk1"/>
+            </a:effectRef>
+            <a:fontRef idx="minor">
+              <a:schemeClr val="tx1"/>
+            </a:fontRef>
+          </p:style>
+        </p:cxnSp>
+        <p:cxnSp>
+          <p:nvCxnSpPr>
+            <p:cNvPr id="54" name="Straight Connector 53">
+              <a:extLst>
+                <a:ext uri="{FF2B5EF4-FFF2-40B4-BE49-F238E27FC236}">
+                  <a16:creationId xmlns:a16="http://schemas.microsoft.com/office/drawing/2014/main" id="{295B0993-968C-4D2F-B454-9DB37C86F7C1}"/>
+                </a:ext>
+              </a:extLst>
+            </p:cNvPr>
+            <p:cNvCxnSpPr>
+              <a:cxnSpLocks/>
+              <a:endCxn id="10" idx="0"/>
+            </p:cNvCxnSpPr>
+            <p:nvPr/>
+          </p:nvCxnSpPr>
+          <p:spPr>
+            <a:xfrm>
+              <a:off x="4609708" y="565862"/>
+              <a:ext cx="0" cy="950474"/>
+            </a:xfrm>
+            <a:prstGeom prst="line">
+              <a:avLst/>
+            </a:prstGeom>
+            <a:ln w="19050">
+              <a:tailEnd type="triangle"/>
+            </a:ln>
+          </p:spPr>
+          <p:style>
+            <a:lnRef idx="1">
+              <a:schemeClr val="dk1"/>
+            </a:lnRef>
+            <a:fillRef idx="0">
+              <a:schemeClr val="dk1"/>
+            </a:fillRef>
+            <a:effectRef idx="0">
+              <a:schemeClr val="dk1"/>
+            </a:effectRef>
+            <a:fontRef idx="minor">
+              <a:schemeClr val="tx1"/>
+            </a:fontRef>
+          </p:style>
+        </p:cxnSp>
+        <p:cxnSp>
+          <p:nvCxnSpPr>
+            <p:cNvPr id="57" name="Straight Arrow Connector 56">
+              <a:extLst>
+                <a:ext uri="{FF2B5EF4-FFF2-40B4-BE49-F238E27FC236}">
+                  <a16:creationId xmlns:a16="http://schemas.microsoft.com/office/drawing/2014/main" id="{F727A360-56CB-49AE-8E23-971B8A96B0DF}"/>
+                </a:ext>
+              </a:extLst>
+            </p:cNvPr>
+            <p:cNvCxnSpPr>
+              <a:cxnSpLocks/>
+              <a:stCxn id="12" idx="3"/>
+              <a:endCxn id="16" idx="1"/>
+            </p:cNvCxnSpPr>
+            <p:nvPr/>
+          </p:nvCxnSpPr>
+          <p:spPr>
+            <a:xfrm>
+              <a:off x="6250169" y="4622218"/>
+              <a:ext cx="1746510" cy="0"/>
+            </a:xfrm>
+            <a:prstGeom prst="straightConnector1">
+              <a:avLst/>
+            </a:prstGeom>
+            <a:ln w="19050">
+              <a:prstDash val="sysDash"/>
+              <a:headEnd type="oval" w="med" len="med"/>
+              <a:tailEnd type="triangle" w="med" len="med"/>
+            </a:ln>
+          </p:spPr>
+          <p:style>
+            <a:lnRef idx="1">
+              <a:schemeClr val="dk1"/>
+            </a:lnRef>
+            <a:fillRef idx="0">
+              <a:schemeClr val="dk1"/>
+            </a:fillRef>
+            <a:effectRef idx="0">
+              <a:schemeClr val="dk1"/>
+            </a:effectRef>
+            <a:fontRef idx="minor">
+              <a:schemeClr val="tx1"/>
+            </a:fontRef>
+          </p:style>
+        </p:cxnSp>
+        <p:cxnSp>
+          <p:nvCxnSpPr>
+            <p:cNvPr id="62" name="Straight Arrow Connector 61">
+              <a:extLst>
+                <a:ext uri="{FF2B5EF4-FFF2-40B4-BE49-F238E27FC236}">
+                  <a16:creationId xmlns:a16="http://schemas.microsoft.com/office/drawing/2014/main" id="{7F952613-4287-4FAA-9D96-05D001D57ED7}"/>
+                </a:ext>
+              </a:extLst>
+            </p:cNvPr>
+            <p:cNvCxnSpPr>
+              <a:cxnSpLocks/>
+              <a:stCxn id="16" idx="3"/>
+              <a:endCxn id="19" idx="1"/>
+            </p:cNvCxnSpPr>
+            <p:nvPr/>
+          </p:nvCxnSpPr>
+          <p:spPr>
+            <a:xfrm>
+              <a:off x="9209399" y="4622218"/>
+              <a:ext cx="911637" cy="492760"/>
+            </a:xfrm>
+            <a:prstGeom prst="straightConnector1">
+              <a:avLst/>
+            </a:prstGeom>
+            <a:ln w="19050">
+              <a:prstDash val="dash"/>
+              <a:headEnd type="arrow" w="med" len="med"/>
+              <a:tailEnd type="arrow" w="med" len="med"/>
+            </a:ln>
+          </p:spPr>
+          <p:style>
+            <a:lnRef idx="1">
+              <a:schemeClr val="dk1"/>
+            </a:lnRef>
+            <a:fillRef idx="0">
+              <a:schemeClr val="dk1"/>
+            </a:fillRef>
+            <a:effectRef idx="0">
+              <a:schemeClr val="dk1"/>
+            </a:effectRef>
+            <a:fontRef idx="minor">
+              <a:schemeClr val="tx1"/>
+            </a:fontRef>
+          </p:style>
+        </p:cxnSp>
+        <p:cxnSp>
+          <p:nvCxnSpPr>
+            <p:cNvPr id="65" name="Straight Arrow Connector 64">
+              <a:extLst>
+                <a:ext uri="{FF2B5EF4-FFF2-40B4-BE49-F238E27FC236}">
+                  <a16:creationId xmlns:a16="http://schemas.microsoft.com/office/drawing/2014/main" id="{250D75B6-9F23-4113-9237-3C332227EBED}"/>
+                </a:ext>
+              </a:extLst>
+            </p:cNvPr>
+            <p:cNvCxnSpPr>
+              <a:cxnSpLocks/>
+              <a:stCxn id="16" idx="3"/>
+              <a:endCxn id="18" idx="2"/>
+            </p:cNvCxnSpPr>
+            <p:nvPr/>
+          </p:nvCxnSpPr>
+          <p:spPr>
+            <a:xfrm flipV="1">
+              <a:off x="9209399" y="3345241"/>
+              <a:ext cx="1442140" cy="1276977"/>
+            </a:xfrm>
+            <a:prstGeom prst="straightConnector1">
+              <a:avLst/>
+            </a:prstGeom>
+            <a:ln w="19050">
+              <a:prstDash val="dash"/>
+              <a:headEnd type="arrow" w="med" len="med"/>
+              <a:tailEnd type="arrow" w="med" len="med"/>
+            </a:ln>
+          </p:spPr>
+          <p:style>
+            <a:lnRef idx="1">
+              <a:schemeClr val="dk1"/>
+            </a:lnRef>
+            <a:fillRef idx="0">
+              <a:schemeClr val="dk1"/>
+            </a:fillRef>
+            <a:effectRef idx="0">
+              <a:schemeClr val="dk1"/>
+            </a:effectRef>
+            <a:fontRef idx="minor">
+              <a:schemeClr val="tx1"/>
+            </a:fontRef>
+          </p:style>
+        </p:cxnSp>
+        <p:sp>
+          <p:nvSpPr>
+            <p:cNvPr id="75" name="TextBox 74">
+              <a:extLst>
+                <a:ext uri="{FF2B5EF4-FFF2-40B4-BE49-F238E27FC236}">
+                  <a16:creationId xmlns:a16="http://schemas.microsoft.com/office/drawing/2014/main" id="{45F9ABF1-EDDD-423C-8779-8B02F98234FB}"/>
+                </a:ext>
+              </a:extLst>
+            </p:cNvPr>
+            <p:cNvSpPr txBox="1"/>
+            <p:nvPr/>
+          </p:nvSpPr>
+          <p:spPr>
+            <a:xfrm>
+              <a:off x="4627030" y="3886200"/>
+              <a:ext cx="1195397" cy="369332"/>
+            </a:xfrm>
+            <a:prstGeom prst="rect">
+              <a:avLst/>
+            </a:prstGeom>
+            <a:noFill/>
+          </p:spPr>
+          <p:txBody>
+            <a:bodyPr wrap="square" rtlCol="0">
+              <a:spAutoFit/>
+            </a:bodyPr>
+            <a:lstStyle/>
+            <a:p>
+              <a:r>
+                <a:rPr lang="de-DE" i="1" dirty="0"/>
+                <a:t>Parameter</a:t>
+              </a:r>
+            </a:p>
+          </p:txBody>
+        </p:sp>
+        <p:sp>
+          <p:nvSpPr>
+            <p:cNvPr id="82" name="TextBox 81">
+              <a:extLst>
+                <a:ext uri="{FF2B5EF4-FFF2-40B4-BE49-F238E27FC236}">
+                  <a16:creationId xmlns:a16="http://schemas.microsoft.com/office/drawing/2014/main" id="{81762885-BFDD-4FA0-92EE-2A3A7F5E4A73}"/>
+                </a:ext>
+              </a:extLst>
+            </p:cNvPr>
+            <p:cNvSpPr txBox="1"/>
+            <p:nvPr/>
+          </p:nvSpPr>
+          <p:spPr>
+            <a:xfrm>
+              <a:off x="4612516" y="2704556"/>
+              <a:ext cx="1325493" cy="369332"/>
+            </a:xfrm>
+            <a:prstGeom prst="rect">
+              <a:avLst/>
+            </a:prstGeom>
+            <a:noFill/>
+          </p:spPr>
+          <p:txBody>
+            <a:bodyPr wrap="square" rtlCol="0">
+              <a:spAutoFit/>
+            </a:bodyPr>
+            <a:lstStyle/>
+            <a:p>
+              <a:r>
+                <a:rPr lang="de-DE" i="1" dirty="0"/>
+                <a:t>Datensätze</a:t>
+              </a:r>
+            </a:p>
+          </p:txBody>
+        </p:sp>
+        <p:sp>
+          <p:nvSpPr>
+            <p:cNvPr id="83" name="TextBox 82">
+              <a:extLst>
+                <a:ext uri="{FF2B5EF4-FFF2-40B4-BE49-F238E27FC236}">
+                  <a16:creationId xmlns:a16="http://schemas.microsoft.com/office/drawing/2014/main" id="{0D76BDFF-CD62-456C-AC3E-62FFF330521D}"/>
+                </a:ext>
+              </a:extLst>
+            </p:cNvPr>
+            <p:cNvSpPr txBox="1"/>
+            <p:nvPr/>
+          </p:nvSpPr>
+          <p:spPr>
+            <a:xfrm>
+              <a:off x="8232189" y="3831192"/>
+              <a:ext cx="1605280" cy="369332"/>
+            </a:xfrm>
+            <a:prstGeom prst="rect">
+              <a:avLst/>
+            </a:prstGeom>
+            <a:noFill/>
+          </p:spPr>
+          <p:txBody>
+            <a:bodyPr wrap="square" rtlCol="0">
+              <a:spAutoFit/>
+            </a:bodyPr>
+            <a:lstStyle/>
+            <a:p>
+              <a:r>
+                <a:rPr lang="de-DE" dirty="0"/>
+                <a:t>EPICS</a:t>
+              </a:r>
+            </a:p>
+          </p:txBody>
+        </p:sp>
+      </p:grpSp>
     </p:spTree>
     <p:extLst>
       <p:ext uri="{BB962C8B-B14F-4D97-AF65-F5344CB8AC3E}">
@@ -6373,516 +6394,537 @@
           </a:p>
         </p:txBody>
       </p:sp>
-      <p:sp>
-        <p:nvSpPr>
-          <p:cNvPr id="4" name="Rectangle 3">
-            <a:extLst>
-              <a:ext uri="{FF2B5EF4-FFF2-40B4-BE49-F238E27FC236}">
-                <a16:creationId xmlns:a16="http://schemas.microsoft.com/office/drawing/2014/main" id="{C288DBC0-BD67-4FB8-BD56-078A2AC423C6}"/>
-              </a:ext>
-            </a:extLst>
-          </p:cNvPr>
-          <p:cNvSpPr/>
+      <p:grpSp>
+        <p:nvGrpSpPr>
+          <p:cNvPr id="3" name="Group 2">
+            <a:extLst>
+              <a:ext uri="{FF2B5EF4-FFF2-40B4-BE49-F238E27FC236}">
+                <a16:creationId xmlns:a16="http://schemas.microsoft.com/office/drawing/2014/main" id="{0A97ED4F-6F83-4917-91DF-8EC4A0E58586}"/>
+              </a:ext>
+            </a:extLst>
+          </p:cNvPr>
+          <p:cNvGrpSpPr/>
           <p:nvPr/>
-        </p:nvSpPr>
-        <p:spPr>
+        </p:nvGrpSpPr>
+        <p:grpSpPr>
           <a:xfrm>
-            <a:off x="4733830" y="1900647"/>
-            <a:ext cx="1282046" cy="409694"/>
+            <a:off x="3577477" y="1900647"/>
+            <a:ext cx="4135218" cy="3646630"/>
+            <a:chOff x="3577477" y="1900647"/>
+            <a:chExt cx="4135218" cy="3646630"/>
           </a:xfrm>
-          <a:prstGeom prst="rect">
-            <a:avLst/>
-          </a:prstGeom>
-        </p:spPr>
-        <p:style>
-          <a:lnRef idx="2">
-            <a:schemeClr val="dk1"/>
-          </a:lnRef>
-          <a:fillRef idx="1">
-            <a:schemeClr val="lt1"/>
-          </a:fillRef>
-          <a:effectRef idx="0">
-            <a:schemeClr val="dk1"/>
-          </a:effectRef>
-          <a:fontRef idx="minor">
-            <a:schemeClr val="dk1"/>
-          </a:fontRef>
-        </p:style>
-        <p:txBody>
-          <a:bodyPr rtlCol="0" anchor="ctr"/>
-          <a:lstStyle/>
-          <a:p>
-            <a:pPr algn="ctr"/>
-            <a:r>
-              <a:rPr lang="de-DE" dirty="0"/>
-              <a:t>x/y-Werte</a:t>
-            </a:r>
-          </a:p>
-        </p:txBody>
-      </p:sp>
-      <p:sp>
-        <p:nvSpPr>
-          <p:cNvPr id="5" name="Rectangle 4">
-            <a:extLst>
-              <a:ext uri="{FF2B5EF4-FFF2-40B4-BE49-F238E27FC236}">
-                <a16:creationId xmlns:a16="http://schemas.microsoft.com/office/drawing/2014/main" id="{B948460C-CBCC-41CB-8194-4D1398437F57}"/>
-              </a:ext>
-            </a:extLst>
-          </p:cNvPr>
-          <p:cNvSpPr/>
-          <p:nvPr/>
-        </p:nvSpPr>
-        <p:spPr>
-          <a:xfrm>
-            <a:off x="4603419" y="2403835"/>
-            <a:ext cx="1555424" cy="940513"/>
-          </a:xfrm>
-          <a:prstGeom prst="rect">
-            <a:avLst/>
-          </a:prstGeom>
-        </p:spPr>
-        <p:style>
-          <a:lnRef idx="2">
-            <a:schemeClr val="dk1"/>
-          </a:lnRef>
-          <a:fillRef idx="1">
-            <a:schemeClr val="lt1"/>
-          </a:fillRef>
-          <a:effectRef idx="0">
-            <a:schemeClr val="dk1"/>
-          </a:effectRef>
-          <a:fontRef idx="minor">
-            <a:schemeClr val="dk1"/>
-          </a:fontRef>
-        </p:style>
-        <p:txBody>
-          <a:bodyPr rtlCol="0" anchor="ctr"/>
-          <a:lstStyle/>
-          <a:p>
-            <a:pPr algn="ctr"/>
-            <a:r>
-              <a:rPr lang="de-DE" dirty="0"/>
-              <a:t>Modell mit aktuellen</a:t>
-            </a:r>
-          </a:p>
-          <a:p>
-            <a:pPr algn="ctr"/>
-            <a:endParaRPr lang="de-DE" dirty="0"/>
-          </a:p>
-        </p:txBody>
-      </p:sp>
-      <p:sp>
-        <p:nvSpPr>
-          <p:cNvPr id="6" name="Rectangle 5">
-            <a:extLst>
-              <a:ext uri="{FF2B5EF4-FFF2-40B4-BE49-F238E27FC236}">
-                <a16:creationId xmlns:a16="http://schemas.microsoft.com/office/drawing/2014/main" id="{43ED143F-8988-463F-88B4-80E2FCF62EDE}"/>
-              </a:ext>
-            </a:extLst>
-          </p:cNvPr>
-          <p:cNvSpPr/>
-          <p:nvPr/>
-        </p:nvSpPr>
-        <p:spPr>
-          <a:xfrm>
-            <a:off x="4663126" y="2994012"/>
-            <a:ext cx="1432874" cy="292231"/>
-          </a:xfrm>
-          <a:prstGeom prst="rect">
-            <a:avLst/>
-          </a:prstGeom>
-        </p:spPr>
-        <p:style>
-          <a:lnRef idx="2">
-            <a:schemeClr val="dk1"/>
-          </a:lnRef>
-          <a:fillRef idx="1">
-            <a:schemeClr val="lt1"/>
-          </a:fillRef>
-          <a:effectRef idx="0">
-            <a:schemeClr val="dk1"/>
-          </a:effectRef>
-          <a:fontRef idx="minor">
-            <a:schemeClr val="dk1"/>
-          </a:fontRef>
-        </p:style>
-        <p:txBody>
-          <a:bodyPr rtlCol="0" anchor="ctr"/>
-          <a:lstStyle/>
-          <a:p>
-            <a:pPr algn="ctr"/>
-            <a:r>
-              <a:rPr lang="de-DE" dirty="0"/>
-              <a:t>Parametern</a:t>
-            </a:r>
-          </a:p>
-        </p:txBody>
-      </p:sp>
-      <p:sp>
-        <p:nvSpPr>
-          <p:cNvPr id="9" name="TextBox 8">
-            <a:extLst>
-              <a:ext uri="{FF2B5EF4-FFF2-40B4-BE49-F238E27FC236}">
-                <a16:creationId xmlns:a16="http://schemas.microsoft.com/office/drawing/2014/main" id="{9A4ED11C-ABF8-4728-8A01-F02250DFE104}"/>
-              </a:ext>
-            </a:extLst>
-          </p:cNvPr>
-          <p:cNvSpPr txBox="1"/>
-          <p:nvPr/>
-        </p:nvSpPr>
-        <p:spPr>
-          <a:xfrm>
-            <a:off x="5360710" y="4454165"/>
-            <a:ext cx="436775" cy="584775"/>
-          </a:xfrm>
-          <a:prstGeom prst="rect">
-            <a:avLst/>
-          </a:prstGeom>
-          <a:noFill/>
-        </p:spPr>
-        <p:txBody>
-          <a:bodyPr wrap="square" rtlCol="0">
-            <a:spAutoFit/>
-          </a:bodyPr>
-          <a:lstStyle/>
-          <a:p>
-            <a:r>
-              <a:rPr lang="de-DE" sz="3200" b="1" dirty="0"/>
-              <a:t>=</a:t>
-            </a:r>
-          </a:p>
-        </p:txBody>
-      </p:sp>
-      <p:sp>
-        <p:nvSpPr>
-          <p:cNvPr id="10" name="TextBox 9">
-            <a:extLst>
-              <a:ext uri="{FF2B5EF4-FFF2-40B4-BE49-F238E27FC236}">
-                <a16:creationId xmlns:a16="http://schemas.microsoft.com/office/drawing/2014/main" id="{174AB1DB-23AD-443D-A27B-898014041B2E}"/>
-              </a:ext>
-            </a:extLst>
-          </p:cNvPr>
-          <p:cNvSpPr txBox="1"/>
-          <p:nvPr/>
-        </p:nvSpPr>
-        <p:spPr>
-          <a:xfrm>
-            <a:off x="5377992" y="4237978"/>
-            <a:ext cx="436775" cy="584775"/>
-          </a:xfrm>
-          <a:prstGeom prst="rect">
-            <a:avLst/>
-          </a:prstGeom>
-          <a:noFill/>
-        </p:spPr>
-        <p:txBody>
-          <a:bodyPr wrap="square" rtlCol="0">
-            <a:spAutoFit/>
-          </a:bodyPr>
-          <a:lstStyle/>
-          <a:p>
-            <a:r>
-              <a:rPr lang="de-DE" sz="3200" b="1" dirty="0"/>
-              <a:t>?</a:t>
-            </a:r>
-          </a:p>
-        </p:txBody>
-      </p:sp>
-      <p:pic>
-        <p:nvPicPr>
-          <p:cNvPr id="14" name="Picture 13">
-            <a:extLst>
-              <a:ext uri="{FF2B5EF4-FFF2-40B4-BE49-F238E27FC236}">
-                <a16:creationId xmlns:a16="http://schemas.microsoft.com/office/drawing/2014/main" id="{B41EEA3A-55A6-4BF4-82C4-BFFA5CBB7B8C}"/>
-              </a:ext>
-            </a:extLst>
-          </p:cNvPr>
-          <p:cNvPicPr>
-            <a:picLocks noChangeAspect="1"/>
-          </p:cNvPicPr>
-          <p:nvPr/>
-        </p:nvPicPr>
-        <p:blipFill rotWithShape="1">
-          <a:blip r:embed="rId2">
-            <a:extLst>
-              <a:ext uri="{28A0092B-C50C-407E-A947-70E740481C1C}">
-                <a14:useLocalDpi xmlns:a14="http://schemas.microsoft.com/office/drawing/2010/main" val="0"/>
-              </a:ext>
-            </a:extLst>
-          </a:blip>
-          <a:srcRect l="62253" t="27085" r="8949" b="17458"/>
-          <a:stretch/>
-        </p:blipFill>
-        <p:spPr>
-          <a:xfrm>
-            <a:off x="3577477" y="3564858"/>
-            <a:ext cx="1589987" cy="1494894"/>
-          </a:xfrm>
-          <a:prstGeom prst="rect">
-            <a:avLst/>
-          </a:prstGeom>
-        </p:spPr>
-      </p:pic>
-      <p:pic>
-        <p:nvPicPr>
-          <p:cNvPr id="15" name="Picture 14">
-            <a:extLst>
-              <a:ext uri="{FF2B5EF4-FFF2-40B4-BE49-F238E27FC236}">
-                <a16:creationId xmlns:a16="http://schemas.microsoft.com/office/drawing/2014/main" id="{9E6D39F9-A7FF-4A26-8753-BA8C07013564}"/>
-              </a:ext>
-            </a:extLst>
-          </p:cNvPr>
-          <p:cNvPicPr>
-            <a:picLocks noChangeAspect="1"/>
-          </p:cNvPicPr>
-          <p:nvPr/>
-        </p:nvPicPr>
-        <p:blipFill rotWithShape="1">
-          <a:blip r:embed="rId2">
-            <a:extLst>
-              <a:ext uri="{28A0092B-C50C-407E-A947-70E740481C1C}">
-                <a14:useLocalDpi xmlns:a14="http://schemas.microsoft.com/office/drawing/2010/main" val="0"/>
-              </a:ext>
-            </a:extLst>
-          </a:blip>
-          <a:srcRect l="14355" t="25645" r="56273" b="19824"/>
-          <a:stretch/>
-        </p:blipFill>
-        <p:spPr>
-          <a:xfrm>
-            <a:off x="6096000" y="3564858"/>
-            <a:ext cx="1616695" cy="1494894"/>
-          </a:xfrm>
-          <a:prstGeom prst="rect">
-            <a:avLst/>
-          </a:prstGeom>
-        </p:spPr>
-      </p:pic>
-      <p:cxnSp>
-        <p:nvCxnSpPr>
-          <p:cNvPr id="17" name="Connector: Elbow 16">
-            <a:extLst>
-              <a:ext uri="{FF2B5EF4-FFF2-40B4-BE49-F238E27FC236}">
-                <a16:creationId xmlns:a16="http://schemas.microsoft.com/office/drawing/2014/main" id="{7868948E-7889-4B6E-B6EB-A3ADB7D8F25E}"/>
-              </a:ext>
-            </a:extLst>
-          </p:cNvPr>
-          <p:cNvCxnSpPr>
-            <a:cxnSpLocks/>
-            <a:stCxn id="4" idx="1"/>
-          </p:cNvCxnSpPr>
-          <p:nvPr/>
-        </p:nvCxnSpPr>
-        <p:spPr>
-          <a:xfrm rot="10800000" flipV="1">
-            <a:off x="4050390" y="2105493"/>
-            <a:ext cx="683440" cy="1537195"/>
-          </a:xfrm>
-          <a:prstGeom prst="bentConnector2">
-            <a:avLst/>
-          </a:prstGeom>
-          <a:ln w="38100">
-            <a:tailEnd type="triangle"/>
-          </a:ln>
-        </p:spPr>
-        <p:style>
-          <a:lnRef idx="3">
-            <a:schemeClr val="dk1"/>
-          </a:lnRef>
-          <a:fillRef idx="0">
-            <a:schemeClr val="dk1"/>
-          </a:fillRef>
-          <a:effectRef idx="2">
-            <a:schemeClr val="dk1"/>
-          </a:effectRef>
-          <a:fontRef idx="minor">
-            <a:schemeClr val="tx1"/>
-          </a:fontRef>
-        </p:style>
-      </p:cxnSp>
-      <p:cxnSp>
-        <p:nvCxnSpPr>
-          <p:cNvPr id="20" name="Connector: Elbow 19">
-            <a:extLst>
-              <a:ext uri="{FF2B5EF4-FFF2-40B4-BE49-F238E27FC236}">
-                <a16:creationId xmlns:a16="http://schemas.microsoft.com/office/drawing/2014/main" id="{2099DBFB-3B0E-4D6E-814B-6F32A935209F}"/>
-              </a:ext>
-            </a:extLst>
-          </p:cNvPr>
-          <p:cNvCxnSpPr>
-            <a:cxnSpLocks/>
-            <a:stCxn id="5" idx="1"/>
-            <a:endCxn id="14" idx="0"/>
-          </p:cNvCxnSpPr>
-          <p:nvPr/>
-        </p:nvCxnSpPr>
-        <p:spPr>
-          <a:xfrm rot="10800000" flipV="1">
-            <a:off x="4372471" y="2874092"/>
-            <a:ext cx="230948" cy="690766"/>
-          </a:xfrm>
-          <a:prstGeom prst="bentConnector2">
-            <a:avLst/>
-          </a:prstGeom>
-          <a:ln w="38100">
-            <a:tailEnd type="triangle"/>
-          </a:ln>
-        </p:spPr>
-        <p:style>
-          <a:lnRef idx="3">
-            <a:schemeClr val="dk1"/>
-          </a:lnRef>
-          <a:fillRef idx="0">
-            <a:schemeClr val="dk1"/>
-          </a:fillRef>
-          <a:effectRef idx="2">
-            <a:schemeClr val="dk1"/>
-          </a:effectRef>
-          <a:fontRef idx="minor">
-            <a:schemeClr val="tx1"/>
-          </a:fontRef>
-        </p:style>
-      </p:cxnSp>
-      <p:cxnSp>
-        <p:nvCxnSpPr>
-          <p:cNvPr id="28" name="Connector: Elbow 27">
-            <a:extLst>
-              <a:ext uri="{FF2B5EF4-FFF2-40B4-BE49-F238E27FC236}">
-                <a16:creationId xmlns:a16="http://schemas.microsoft.com/office/drawing/2014/main" id="{D24095E3-03E0-4E18-B4F3-DF35BED65946}"/>
-              </a:ext>
-            </a:extLst>
-          </p:cNvPr>
-          <p:cNvCxnSpPr>
-            <a:cxnSpLocks/>
-            <a:stCxn id="10" idx="0"/>
-            <a:endCxn id="6" idx="3"/>
-          </p:cNvCxnSpPr>
-          <p:nvPr/>
-        </p:nvCxnSpPr>
-        <p:spPr>
-          <a:xfrm rot="5400000" flipH="1" flipV="1">
-            <a:off x="5297265" y="3439243"/>
-            <a:ext cx="1097850" cy="499620"/>
-          </a:xfrm>
-          <a:prstGeom prst="bentConnector4">
-            <a:avLst>
-              <a:gd name="adj1" fmla="val 43345"/>
-              <a:gd name="adj2" fmla="val 145755"/>
-            </a:avLst>
-          </a:prstGeom>
-          <a:ln w="38100">
-            <a:tailEnd type="triangle"/>
-          </a:ln>
-        </p:spPr>
-        <p:style>
-          <a:lnRef idx="3">
-            <a:schemeClr val="dk1"/>
-          </a:lnRef>
-          <a:fillRef idx="0">
-            <a:schemeClr val="dk1"/>
-          </a:fillRef>
-          <a:effectRef idx="2">
-            <a:schemeClr val="dk1"/>
-          </a:effectRef>
-          <a:fontRef idx="minor">
-            <a:schemeClr val="tx1"/>
-          </a:fontRef>
-        </p:style>
-      </p:cxnSp>
-      <p:sp>
-        <p:nvSpPr>
-          <p:cNvPr id="43" name="Rectangle 42">
-            <a:extLst>
-              <a:ext uri="{FF2B5EF4-FFF2-40B4-BE49-F238E27FC236}">
-                <a16:creationId xmlns:a16="http://schemas.microsoft.com/office/drawing/2014/main" id="{1922FF53-6948-45D5-858B-61179FFB3DBC}"/>
-              </a:ext>
-            </a:extLst>
-          </p:cNvPr>
-          <p:cNvSpPr/>
-          <p:nvPr/>
-        </p:nvSpPr>
-        <p:spPr>
-          <a:xfrm>
-            <a:off x="3731447" y="5132255"/>
-            <a:ext cx="1282046" cy="409694"/>
-          </a:xfrm>
-          <a:prstGeom prst="rect">
-            <a:avLst/>
-          </a:prstGeom>
-        </p:spPr>
-        <p:style>
-          <a:lnRef idx="2">
-            <a:schemeClr val="dk1"/>
-          </a:lnRef>
-          <a:fillRef idx="1">
-            <a:schemeClr val="lt1"/>
-          </a:fillRef>
-          <a:effectRef idx="0">
-            <a:schemeClr val="dk1"/>
-          </a:effectRef>
-          <a:fontRef idx="minor">
-            <a:schemeClr val="dk1"/>
-          </a:fontRef>
-        </p:style>
-        <p:txBody>
-          <a:bodyPr rtlCol="0" anchor="ctr"/>
-          <a:lstStyle/>
-          <a:p>
-            <a:pPr algn="ctr"/>
-            <a:r>
-              <a:rPr lang="de-DE" dirty="0"/>
-              <a:t>Testdaten</a:t>
-            </a:r>
-          </a:p>
-        </p:txBody>
-      </p:sp>
-      <p:sp>
-        <p:nvSpPr>
-          <p:cNvPr id="44" name="Rectangle 43">
-            <a:extLst>
-              <a:ext uri="{FF2B5EF4-FFF2-40B4-BE49-F238E27FC236}">
-                <a16:creationId xmlns:a16="http://schemas.microsoft.com/office/drawing/2014/main" id="{C8EA141B-C7B1-4FE2-84E8-6CB09DF3DF18}"/>
-              </a:ext>
-            </a:extLst>
-          </p:cNvPr>
-          <p:cNvSpPr/>
-          <p:nvPr/>
-        </p:nvSpPr>
-        <p:spPr>
-          <a:xfrm>
-            <a:off x="6263324" y="5137583"/>
-            <a:ext cx="1282046" cy="409694"/>
-          </a:xfrm>
-          <a:prstGeom prst="rect">
-            <a:avLst/>
-          </a:prstGeom>
-        </p:spPr>
-        <p:style>
-          <a:lnRef idx="2">
-            <a:schemeClr val="dk1"/>
-          </a:lnRef>
-          <a:fillRef idx="1">
-            <a:schemeClr val="lt1"/>
-          </a:fillRef>
-          <a:effectRef idx="0">
-            <a:schemeClr val="dk1"/>
-          </a:effectRef>
-          <a:fontRef idx="minor">
-            <a:schemeClr val="dk1"/>
-          </a:fontRef>
-        </p:style>
-        <p:txBody>
-          <a:bodyPr rtlCol="0" anchor="ctr"/>
-          <a:lstStyle/>
-          <a:p>
-            <a:pPr algn="ctr"/>
-            <a:r>
-              <a:rPr lang="de-DE" dirty="0"/>
-              <a:t>Bilddaten</a:t>
-            </a:r>
-          </a:p>
-        </p:txBody>
-      </p:sp>
+        </p:grpSpPr>
+        <p:sp>
+          <p:nvSpPr>
+            <p:cNvPr id="4" name="Rectangle 3">
+              <a:extLst>
+                <a:ext uri="{FF2B5EF4-FFF2-40B4-BE49-F238E27FC236}">
+                  <a16:creationId xmlns:a16="http://schemas.microsoft.com/office/drawing/2014/main" id="{C288DBC0-BD67-4FB8-BD56-078A2AC423C6}"/>
+                </a:ext>
+              </a:extLst>
+            </p:cNvPr>
+            <p:cNvSpPr/>
+            <p:nvPr/>
+          </p:nvSpPr>
+          <p:spPr>
+            <a:xfrm>
+              <a:off x="4733830" y="1900647"/>
+              <a:ext cx="1282046" cy="409694"/>
+            </a:xfrm>
+            <a:prstGeom prst="rect">
+              <a:avLst/>
+            </a:prstGeom>
+          </p:spPr>
+          <p:style>
+            <a:lnRef idx="2">
+              <a:schemeClr val="dk1"/>
+            </a:lnRef>
+            <a:fillRef idx="1">
+              <a:schemeClr val="lt1"/>
+            </a:fillRef>
+            <a:effectRef idx="0">
+              <a:schemeClr val="dk1"/>
+            </a:effectRef>
+            <a:fontRef idx="minor">
+              <a:schemeClr val="dk1"/>
+            </a:fontRef>
+          </p:style>
+          <p:txBody>
+            <a:bodyPr rtlCol="0" anchor="ctr"/>
+            <a:lstStyle/>
+            <a:p>
+              <a:pPr algn="ctr"/>
+              <a:r>
+                <a:rPr lang="de-DE" dirty="0"/>
+                <a:t>x/y-Werte</a:t>
+              </a:r>
+            </a:p>
+          </p:txBody>
+        </p:sp>
+        <p:sp>
+          <p:nvSpPr>
+            <p:cNvPr id="5" name="Rectangle 4">
+              <a:extLst>
+                <a:ext uri="{FF2B5EF4-FFF2-40B4-BE49-F238E27FC236}">
+                  <a16:creationId xmlns:a16="http://schemas.microsoft.com/office/drawing/2014/main" id="{B948460C-CBCC-41CB-8194-4D1398437F57}"/>
+                </a:ext>
+              </a:extLst>
+            </p:cNvPr>
+            <p:cNvSpPr/>
+            <p:nvPr/>
+          </p:nvSpPr>
+          <p:spPr>
+            <a:xfrm>
+              <a:off x="4603419" y="2403835"/>
+              <a:ext cx="1555424" cy="940513"/>
+            </a:xfrm>
+            <a:prstGeom prst="rect">
+              <a:avLst/>
+            </a:prstGeom>
+          </p:spPr>
+          <p:style>
+            <a:lnRef idx="2">
+              <a:schemeClr val="dk1"/>
+            </a:lnRef>
+            <a:fillRef idx="1">
+              <a:schemeClr val="lt1"/>
+            </a:fillRef>
+            <a:effectRef idx="0">
+              <a:schemeClr val="dk1"/>
+            </a:effectRef>
+            <a:fontRef idx="minor">
+              <a:schemeClr val="dk1"/>
+            </a:fontRef>
+          </p:style>
+          <p:txBody>
+            <a:bodyPr rtlCol="0" anchor="ctr"/>
+            <a:lstStyle/>
+            <a:p>
+              <a:pPr algn="ctr"/>
+              <a:r>
+                <a:rPr lang="de-DE" dirty="0"/>
+                <a:t>Modell mit aktuellen</a:t>
+              </a:r>
+            </a:p>
+            <a:p>
+              <a:pPr algn="ctr"/>
+              <a:endParaRPr lang="de-DE" dirty="0"/>
+            </a:p>
+          </p:txBody>
+        </p:sp>
+        <p:sp>
+          <p:nvSpPr>
+            <p:cNvPr id="6" name="Rectangle 5">
+              <a:extLst>
+                <a:ext uri="{FF2B5EF4-FFF2-40B4-BE49-F238E27FC236}">
+                  <a16:creationId xmlns:a16="http://schemas.microsoft.com/office/drawing/2014/main" id="{43ED143F-8988-463F-88B4-80E2FCF62EDE}"/>
+                </a:ext>
+              </a:extLst>
+            </p:cNvPr>
+            <p:cNvSpPr/>
+            <p:nvPr/>
+          </p:nvSpPr>
+          <p:spPr>
+            <a:xfrm>
+              <a:off x="4663126" y="2994012"/>
+              <a:ext cx="1432874" cy="292231"/>
+            </a:xfrm>
+            <a:prstGeom prst="rect">
+              <a:avLst/>
+            </a:prstGeom>
+          </p:spPr>
+          <p:style>
+            <a:lnRef idx="2">
+              <a:schemeClr val="dk1"/>
+            </a:lnRef>
+            <a:fillRef idx="1">
+              <a:schemeClr val="lt1"/>
+            </a:fillRef>
+            <a:effectRef idx="0">
+              <a:schemeClr val="dk1"/>
+            </a:effectRef>
+            <a:fontRef idx="minor">
+              <a:schemeClr val="dk1"/>
+            </a:fontRef>
+          </p:style>
+          <p:txBody>
+            <a:bodyPr rtlCol="0" anchor="ctr"/>
+            <a:lstStyle/>
+            <a:p>
+              <a:pPr algn="ctr"/>
+              <a:r>
+                <a:rPr lang="de-DE" dirty="0"/>
+                <a:t>Parametern</a:t>
+              </a:r>
+            </a:p>
+          </p:txBody>
+        </p:sp>
+        <p:sp>
+          <p:nvSpPr>
+            <p:cNvPr id="9" name="TextBox 8">
+              <a:extLst>
+                <a:ext uri="{FF2B5EF4-FFF2-40B4-BE49-F238E27FC236}">
+                  <a16:creationId xmlns:a16="http://schemas.microsoft.com/office/drawing/2014/main" id="{9A4ED11C-ABF8-4728-8A01-F02250DFE104}"/>
+                </a:ext>
+              </a:extLst>
+            </p:cNvPr>
+            <p:cNvSpPr txBox="1"/>
+            <p:nvPr/>
+          </p:nvSpPr>
+          <p:spPr>
+            <a:xfrm>
+              <a:off x="5360710" y="4454165"/>
+              <a:ext cx="436775" cy="584775"/>
+            </a:xfrm>
+            <a:prstGeom prst="rect">
+              <a:avLst/>
+            </a:prstGeom>
+            <a:noFill/>
+          </p:spPr>
+          <p:txBody>
+            <a:bodyPr wrap="square" rtlCol="0">
+              <a:spAutoFit/>
+            </a:bodyPr>
+            <a:lstStyle/>
+            <a:p>
+              <a:r>
+                <a:rPr lang="de-DE" sz="3200" b="1" dirty="0"/>
+                <a:t>=</a:t>
+              </a:r>
+            </a:p>
+          </p:txBody>
+        </p:sp>
+        <p:sp>
+          <p:nvSpPr>
+            <p:cNvPr id="10" name="TextBox 9">
+              <a:extLst>
+                <a:ext uri="{FF2B5EF4-FFF2-40B4-BE49-F238E27FC236}">
+                  <a16:creationId xmlns:a16="http://schemas.microsoft.com/office/drawing/2014/main" id="{174AB1DB-23AD-443D-A27B-898014041B2E}"/>
+                </a:ext>
+              </a:extLst>
+            </p:cNvPr>
+            <p:cNvSpPr txBox="1"/>
+            <p:nvPr/>
+          </p:nvSpPr>
+          <p:spPr>
+            <a:xfrm>
+              <a:off x="5377992" y="4237978"/>
+              <a:ext cx="436775" cy="584775"/>
+            </a:xfrm>
+            <a:prstGeom prst="rect">
+              <a:avLst/>
+            </a:prstGeom>
+            <a:noFill/>
+          </p:spPr>
+          <p:txBody>
+            <a:bodyPr wrap="square" rtlCol="0">
+              <a:spAutoFit/>
+            </a:bodyPr>
+            <a:lstStyle/>
+            <a:p>
+              <a:r>
+                <a:rPr lang="de-DE" sz="3200" b="1" dirty="0"/>
+                <a:t>?</a:t>
+              </a:r>
+            </a:p>
+          </p:txBody>
+        </p:sp>
+        <p:pic>
+          <p:nvPicPr>
+            <p:cNvPr id="14" name="Picture 13">
+              <a:extLst>
+                <a:ext uri="{FF2B5EF4-FFF2-40B4-BE49-F238E27FC236}">
+                  <a16:creationId xmlns:a16="http://schemas.microsoft.com/office/drawing/2014/main" id="{B41EEA3A-55A6-4BF4-82C4-BFFA5CBB7B8C}"/>
+                </a:ext>
+              </a:extLst>
+            </p:cNvPr>
+            <p:cNvPicPr>
+              <a:picLocks noChangeAspect="1"/>
+            </p:cNvPicPr>
+            <p:nvPr/>
+          </p:nvPicPr>
+          <p:blipFill rotWithShape="1">
+            <a:blip r:embed="rId2">
+              <a:extLst>
+                <a:ext uri="{28A0092B-C50C-407E-A947-70E740481C1C}">
+                  <a14:useLocalDpi xmlns:a14="http://schemas.microsoft.com/office/drawing/2010/main" val="0"/>
+                </a:ext>
+              </a:extLst>
+            </a:blip>
+            <a:srcRect l="62253" t="27085" r="8949" b="17458"/>
+            <a:stretch/>
+          </p:blipFill>
+          <p:spPr>
+            <a:xfrm>
+              <a:off x="3577477" y="3564858"/>
+              <a:ext cx="1589987" cy="1494894"/>
+            </a:xfrm>
+            <a:prstGeom prst="rect">
+              <a:avLst/>
+            </a:prstGeom>
+          </p:spPr>
+        </p:pic>
+        <p:pic>
+          <p:nvPicPr>
+            <p:cNvPr id="15" name="Picture 14">
+              <a:extLst>
+                <a:ext uri="{FF2B5EF4-FFF2-40B4-BE49-F238E27FC236}">
+                  <a16:creationId xmlns:a16="http://schemas.microsoft.com/office/drawing/2014/main" id="{9E6D39F9-A7FF-4A26-8753-BA8C07013564}"/>
+                </a:ext>
+              </a:extLst>
+            </p:cNvPr>
+            <p:cNvPicPr>
+              <a:picLocks noChangeAspect="1"/>
+            </p:cNvPicPr>
+            <p:nvPr/>
+          </p:nvPicPr>
+          <p:blipFill rotWithShape="1">
+            <a:blip r:embed="rId2">
+              <a:extLst>
+                <a:ext uri="{28A0092B-C50C-407E-A947-70E740481C1C}">
+                  <a14:useLocalDpi xmlns:a14="http://schemas.microsoft.com/office/drawing/2010/main" val="0"/>
+                </a:ext>
+              </a:extLst>
+            </a:blip>
+            <a:srcRect l="14355" t="25645" r="56273" b="19824"/>
+            <a:stretch/>
+          </p:blipFill>
+          <p:spPr>
+            <a:xfrm>
+              <a:off x="6096000" y="3564858"/>
+              <a:ext cx="1616695" cy="1494894"/>
+            </a:xfrm>
+            <a:prstGeom prst="rect">
+              <a:avLst/>
+            </a:prstGeom>
+          </p:spPr>
+        </p:pic>
+        <p:cxnSp>
+          <p:nvCxnSpPr>
+            <p:cNvPr id="17" name="Connector: Elbow 16">
+              <a:extLst>
+                <a:ext uri="{FF2B5EF4-FFF2-40B4-BE49-F238E27FC236}">
+                  <a16:creationId xmlns:a16="http://schemas.microsoft.com/office/drawing/2014/main" id="{7868948E-7889-4B6E-B6EB-A3ADB7D8F25E}"/>
+                </a:ext>
+              </a:extLst>
+            </p:cNvPr>
+            <p:cNvCxnSpPr>
+              <a:cxnSpLocks/>
+              <a:stCxn id="4" idx="1"/>
+            </p:cNvCxnSpPr>
+            <p:nvPr/>
+          </p:nvCxnSpPr>
+          <p:spPr>
+            <a:xfrm rot="10800000" flipV="1">
+              <a:off x="4050390" y="2105493"/>
+              <a:ext cx="683440" cy="1537195"/>
+            </a:xfrm>
+            <a:prstGeom prst="bentConnector2">
+              <a:avLst/>
+            </a:prstGeom>
+            <a:ln w="38100">
+              <a:tailEnd type="triangle"/>
+            </a:ln>
+          </p:spPr>
+          <p:style>
+            <a:lnRef idx="3">
+              <a:schemeClr val="dk1"/>
+            </a:lnRef>
+            <a:fillRef idx="0">
+              <a:schemeClr val="dk1"/>
+            </a:fillRef>
+            <a:effectRef idx="2">
+              <a:schemeClr val="dk1"/>
+            </a:effectRef>
+            <a:fontRef idx="minor">
+              <a:schemeClr val="tx1"/>
+            </a:fontRef>
+          </p:style>
+        </p:cxnSp>
+        <p:cxnSp>
+          <p:nvCxnSpPr>
+            <p:cNvPr id="20" name="Connector: Elbow 19">
+              <a:extLst>
+                <a:ext uri="{FF2B5EF4-FFF2-40B4-BE49-F238E27FC236}">
+                  <a16:creationId xmlns:a16="http://schemas.microsoft.com/office/drawing/2014/main" id="{2099DBFB-3B0E-4D6E-814B-6F32A935209F}"/>
+                </a:ext>
+              </a:extLst>
+            </p:cNvPr>
+            <p:cNvCxnSpPr>
+              <a:cxnSpLocks/>
+              <a:stCxn id="5" idx="1"/>
+              <a:endCxn id="14" idx="0"/>
+            </p:cNvCxnSpPr>
+            <p:nvPr/>
+          </p:nvCxnSpPr>
+          <p:spPr>
+            <a:xfrm rot="10800000" flipV="1">
+              <a:off x="4372471" y="2874092"/>
+              <a:ext cx="230948" cy="690766"/>
+            </a:xfrm>
+            <a:prstGeom prst="bentConnector2">
+              <a:avLst/>
+            </a:prstGeom>
+            <a:ln w="38100">
+              <a:tailEnd type="triangle"/>
+            </a:ln>
+          </p:spPr>
+          <p:style>
+            <a:lnRef idx="3">
+              <a:schemeClr val="dk1"/>
+            </a:lnRef>
+            <a:fillRef idx="0">
+              <a:schemeClr val="dk1"/>
+            </a:fillRef>
+            <a:effectRef idx="2">
+              <a:schemeClr val="dk1"/>
+            </a:effectRef>
+            <a:fontRef idx="minor">
+              <a:schemeClr val="tx1"/>
+            </a:fontRef>
+          </p:style>
+        </p:cxnSp>
+        <p:cxnSp>
+          <p:nvCxnSpPr>
+            <p:cNvPr id="28" name="Connector: Elbow 27">
+              <a:extLst>
+                <a:ext uri="{FF2B5EF4-FFF2-40B4-BE49-F238E27FC236}">
+                  <a16:creationId xmlns:a16="http://schemas.microsoft.com/office/drawing/2014/main" id="{D24095E3-03E0-4E18-B4F3-DF35BED65946}"/>
+                </a:ext>
+              </a:extLst>
+            </p:cNvPr>
+            <p:cNvCxnSpPr>
+              <a:cxnSpLocks/>
+              <a:stCxn id="10" idx="0"/>
+              <a:endCxn id="6" idx="3"/>
+            </p:cNvCxnSpPr>
+            <p:nvPr/>
+          </p:nvCxnSpPr>
+          <p:spPr>
+            <a:xfrm rot="5400000" flipH="1" flipV="1">
+              <a:off x="5297265" y="3439243"/>
+              <a:ext cx="1097850" cy="499620"/>
+            </a:xfrm>
+            <a:prstGeom prst="bentConnector4">
+              <a:avLst>
+                <a:gd name="adj1" fmla="val 43345"/>
+                <a:gd name="adj2" fmla="val 145755"/>
+              </a:avLst>
+            </a:prstGeom>
+            <a:ln w="38100">
+              <a:tailEnd type="triangle"/>
+            </a:ln>
+          </p:spPr>
+          <p:style>
+            <a:lnRef idx="3">
+              <a:schemeClr val="dk1"/>
+            </a:lnRef>
+            <a:fillRef idx="0">
+              <a:schemeClr val="dk1"/>
+            </a:fillRef>
+            <a:effectRef idx="2">
+              <a:schemeClr val="dk1"/>
+            </a:effectRef>
+            <a:fontRef idx="minor">
+              <a:schemeClr val="tx1"/>
+            </a:fontRef>
+          </p:style>
+        </p:cxnSp>
+        <p:sp>
+          <p:nvSpPr>
+            <p:cNvPr id="43" name="Rectangle 42">
+              <a:extLst>
+                <a:ext uri="{FF2B5EF4-FFF2-40B4-BE49-F238E27FC236}">
+                  <a16:creationId xmlns:a16="http://schemas.microsoft.com/office/drawing/2014/main" id="{1922FF53-6948-45D5-858B-61179FFB3DBC}"/>
+                </a:ext>
+              </a:extLst>
+            </p:cNvPr>
+            <p:cNvSpPr/>
+            <p:nvPr/>
+          </p:nvSpPr>
+          <p:spPr>
+            <a:xfrm>
+              <a:off x="3731447" y="5132255"/>
+              <a:ext cx="1282046" cy="409694"/>
+            </a:xfrm>
+            <a:prstGeom prst="rect">
+              <a:avLst/>
+            </a:prstGeom>
+          </p:spPr>
+          <p:style>
+            <a:lnRef idx="2">
+              <a:schemeClr val="dk1"/>
+            </a:lnRef>
+            <a:fillRef idx="1">
+              <a:schemeClr val="lt1"/>
+            </a:fillRef>
+            <a:effectRef idx="0">
+              <a:schemeClr val="dk1"/>
+            </a:effectRef>
+            <a:fontRef idx="minor">
+              <a:schemeClr val="dk1"/>
+            </a:fontRef>
+          </p:style>
+          <p:txBody>
+            <a:bodyPr rtlCol="0" anchor="ctr"/>
+            <a:lstStyle/>
+            <a:p>
+              <a:pPr algn="ctr"/>
+              <a:r>
+                <a:rPr lang="de-DE" dirty="0"/>
+                <a:t>Testdaten</a:t>
+              </a:r>
+            </a:p>
+          </p:txBody>
+        </p:sp>
+        <p:sp>
+          <p:nvSpPr>
+            <p:cNvPr id="44" name="Rectangle 43">
+              <a:extLst>
+                <a:ext uri="{FF2B5EF4-FFF2-40B4-BE49-F238E27FC236}">
+                  <a16:creationId xmlns:a16="http://schemas.microsoft.com/office/drawing/2014/main" id="{C8EA141B-C7B1-4FE2-84E8-6CB09DF3DF18}"/>
+                </a:ext>
+              </a:extLst>
+            </p:cNvPr>
+            <p:cNvSpPr/>
+            <p:nvPr/>
+          </p:nvSpPr>
+          <p:spPr>
+            <a:xfrm>
+              <a:off x="6263324" y="5137583"/>
+              <a:ext cx="1282046" cy="409694"/>
+            </a:xfrm>
+            <a:prstGeom prst="rect">
+              <a:avLst/>
+            </a:prstGeom>
+          </p:spPr>
+          <p:style>
+            <a:lnRef idx="2">
+              <a:schemeClr val="dk1"/>
+            </a:lnRef>
+            <a:fillRef idx="1">
+              <a:schemeClr val="lt1"/>
+            </a:fillRef>
+            <a:effectRef idx="0">
+              <a:schemeClr val="dk1"/>
+            </a:effectRef>
+            <a:fontRef idx="minor">
+              <a:schemeClr val="dk1"/>
+            </a:fontRef>
+          </p:style>
+          <p:txBody>
+            <a:bodyPr rtlCol="0" anchor="ctr"/>
+            <a:lstStyle/>
+            <a:p>
+              <a:pPr algn="ctr"/>
+              <a:r>
+                <a:rPr lang="de-DE" dirty="0"/>
+                <a:t>Bilddaten</a:t>
+              </a:r>
+            </a:p>
+          </p:txBody>
+        </p:sp>
+      </p:grpSp>
     </p:spTree>
     <p:extLst>
       <p:ext uri="{BB962C8B-B14F-4D97-AF65-F5344CB8AC3E}">
